--- a/宣道詩/(宣道詩279) 耶穌我救主降生伯利恆.pptx
+++ b/宣道詩/(宣道詩279) 耶穌我救主降生伯利恆.pptx
@@ -5,20 +5,29 @@
     <p:sldMasterId id="2147483660" r:id="rId1"/>
   </p:sldMasterIdLst>
   <p:notesMasterIdLst>
-    <p:notesMasterId r:id="rId10"/>
+    <p:notesMasterId r:id="rId19"/>
   </p:notesMasterIdLst>
   <p:handoutMasterIdLst>
-    <p:handoutMasterId r:id="rId11"/>
+    <p:handoutMasterId r:id="rId20"/>
   </p:handoutMasterIdLst>
   <p:sldIdLst>
-    <p:sldId id="1604" r:id="rId2"/>
-    <p:sldId id="1605" r:id="rId3"/>
-    <p:sldId id="1606" r:id="rId4"/>
-    <p:sldId id="1607" r:id="rId5"/>
-    <p:sldId id="1608" r:id="rId6"/>
-    <p:sldId id="1609" r:id="rId7"/>
-    <p:sldId id="1610" r:id="rId8"/>
-    <p:sldId id="1611" r:id="rId9"/>
+    <p:sldId id="256" r:id="rId2"/>
+    <p:sldId id="257" r:id="rId3"/>
+    <p:sldId id="258" r:id="rId4"/>
+    <p:sldId id="259" r:id="rId5"/>
+    <p:sldId id="260" r:id="rId6"/>
+    <p:sldId id="261" r:id="rId7"/>
+    <p:sldId id="262" r:id="rId8"/>
+    <p:sldId id="263" r:id="rId9"/>
+    <p:sldId id="264" r:id="rId10"/>
+    <p:sldId id="265" r:id="rId11"/>
+    <p:sldId id="266" r:id="rId12"/>
+    <p:sldId id="267" r:id="rId13"/>
+    <p:sldId id="268" r:id="rId14"/>
+    <p:sldId id="269" r:id="rId15"/>
+    <p:sldId id="270" r:id="rId16"/>
+    <p:sldId id="271" r:id="rId17"/>
+    <p:sldId id="272" r:id="rId18"/>
   </p:sldIdLst>
   <p:sldSz cx="12192000" cy="6858000"/>
   <p:notesSz cx="6858000" cy="9144000"/>
@@ -3724,7 +3733,7 @@
       </p:grpSpPr>
       <p:sp>
         <p:nvSpPr>
-          <p:cNvPr id="4" name="Title 3"/>
+          <p:cNvPr id="4" name="標題 3"/>
           <p:cNvSpPr>
             <a:spLocks noGrp="1"/>
           </p:cNvSpPr>
@@ -3732,175 +3741,260 @@
             <p:ph type="title"/>
           </p:nvPr>
         </p:nvSpPr>
-        <p:spPr/>
+        <p:spPr>
+          <a:xfrm>
+            <a:off x="0" y="2660915"/>
+            <a:ext cx="12192000" cy="1143000"/>
+          </a:xfrm>
+        </p:spPr>
         <p:txBody>
           <a:bodyPr>
+            <a:noAutofit/>
+          </a:bodyPr>
+          <a:lstStyle/>
+          <a:p>
+            <a:r>
+              <a:rPr lang="zh-CN" altLang="en-US" sz="5333" b="1" u="sng" dirty="0">
+                <a:solidFill>
+                  <a:srgbClr val="000066"/>
+                </a:solidFill>
+                <a:effectLst>
+                  <a:outerShdw blurRad="38100" dist="38100" dir="2700000" algn="tl">
+                    <a:srgbClr val="000000">
+                      <a:alpha val="43137"/>
+                    </a:srgbClr>
+                  </a:outerShdw>
+                </a:effectLst>
+                <a:latin typeface="微軟正黑體" pitchFamily="34" charset="-120"/>
+                <a:ea typeface="微軟正黑體" pitchFamily="34" charset="-120"/>
+              </a:rPr>
+              <a:t>宣道詩 </a:t>
+            </a:r>
+            <a:r>
+              <a:rPr lang="en-US" altLang="zh-CN" sz="5333" b="1" u="sng" dirty="0">
+                <a:solidFill>
+                  <a:srgbClr val="000066"/>
+                </a:solidFill>
+                <a:effectLst>
+                  <a:outerShdw blurRad="38100" dist="38100" dir="2700000" algn="tl">
+                    <a:srgbClr val="000000">
+                      <a:alpha val="43137"/>
+                    </a:srgbClr>
+                  </a:outerShdw>
+                </a:effectLst>
+                <a:latin typeface="微軟正黑體" pitchFamily="34" charset="-120"/>
+                <a:ea typeface="微軟正黑體" pitchFamily="34" charset="-120"/>
+              </a:rPr>
+              <a:t>279</a:t>
+            </a:r>
+            <a:r>
+              <a:rPr lang="en-US" altLang="zh-CN" sz="7200" b="1" i="1" dirty="0">
+                <a:solidFill>
+                  <a:srgbClr val="660033"/>
+                </a:solidFill>
+                <a:effectLst>
+                  <a:outerShdw blurRad="38100" dist="38100" dir="2700000" algn="tl">
+                    <a:srgbClr val="000000">
+                      <a:alpha val="43137"/>
+                    </a:srgbClr>
+                  </a:outerShdw>
+                </a:effectLst>
+                <a:latin typeface="微軟正黑體" pitchFamily="34" charset="-120"/>
+                <a:ea typeface="微軟正黑體" pitchFamily="34" charset="-120"/>
+              </a:rPr>
+              <a:t/>
+            </a:r>
+            <a:br>
+              <a:rPr lang="en-US" altLang="zh-CN" sz="7200" b="1" i="1" dirty="0">
+                <a:solidFill>
+                  <a:srgbClr val="660033"/>
+                </a:solidFill>
+                <a:effectLst>
+                  <a:outerShdw blurRad="38100" dist="38100" dir="2700000" algn="tl">
+                    <a:srgbClr val="000000">
+                      <a:alpha val="43137"/>
+                    </a:srgbClr>
+                  </a:outerShdw>
+                </a:effectLst>
+                <a:latin typeface="微軟正黑體" pitchFamily="34" charset="-120"/>
+                <a:ea typeface="微軟正黑體" pitchFamily="34" charset="-120"/>
+              </a:rPr>
+            </a:br>
+            <a:r>
+              <a:rPr lang="zh-TW" altLang="en-US" sz="7200" b="1" dirty="0">
+                <a:solidFill>
+                  <a:srgbClr val="660033"/>
+                </a:solidFill>
+                <a:effectLst>
+                  <a:outerShdw blurRad="38100" dist="38100" dir="2700000" algn="tl">
+                    <a:srgbClr val="000000">
+                      <a:alpha val="43137"/>
+                    </a:srgbClr>
+                  </a:outerShdw>
+                </a:effectLst>
+                <a:latin typeface="微軟正黑體" pitchFamily="34" charset="-120"/>
+                <a:ea typeface="微軟正黑體" pitchFamily="34" charset="-120"/>
+              </a:rPr>
+              <a:t>耶</a:t>
+            </a:r>
+            <a:r>
+              <a:rPr lang="zh-TW" altLang="en-US" sz="7200" b="1" dirty="0">
+                <a:solidFill>
+                  <a:srgbClr val="660033"/>
+                </a:solidFill>
+                <a:effectLst>
+                  <a:outerShdw blurRad="38100" dist="38100" dir="2700000" algn="tl">
+                    <a:srgbClr val="000000">
+                      <a:alpha val="43137"/>
+                    </a:srgbClr>
+                  </a:outerShdw>
+                </a:effectLst>
+                <a:latin typeface="微軟正黑體" pitchFamily="34" charset="-120"/>
+                <a:ea typeface="微軟正黑體" pitchFamily="34" charset="-120"/>
+              </a:rPr>
+              <a:t>穌我救主降生伯利恆</a:t>
+            </a:r>
+            <a:endParaRPr lang="zh-TW" altLang="en-US" sz="8000" b="1" dirty="0">
+              <a:solidFill>
+                <a:srgbClr val="660033"/>
+              </a:solidFill>
+              <a:effectLst>
+                <a:outerShdw blurRad="38100" dist="38100" dir="2700000" algn="tl">
+                  <a:srgbClr val="000000">
+                    <a:alpha val="43137"/>
+                  </a:srgbClr>
+                </a:outerShdw>
+              </a:effectLst>
+              <a:latin typeface="微軟正黑體" pitchFamily="34" charset="-120"/>
+              <a:ea typeface="微軟正黑體" pitchFamily="34" charset="-120"/>
+            </a:endParaRPr>
+          </a:p>
+        </p:txBody>
+      </p:sp>
+    </p:spTree>
+    <p:extLst>
+      <p:ext uri="{BB962C8B-B14F-4D97-AF65-F5344CB8AC3E}">
+        <p14:creationId xmlns:p14="http://schemas.microsoft.com/office/powerpoint/2010/main" val="855221946"/>
+      </p:ext>
+    </p:extLst>
+  </p:cSld>
+  <p:clrMapOvr>
+    <a:masterClrMapping/>
+  </p:clrMapOvr>
+  <p:timing>
+    <p:tnLst>
+      <p:par>
+        <p:cTn id="1" dur="indefinite" restart="never" nodeType="tmRoot"/>
+      </p:par>
+    </p:tnLst>
+  </p:timing>
+</p:sld>
+</file>
+
+<file path=ppt/slides/slide10.xml><?xml version="1.0" encoding="utf-8"?>
+<p:sld xmlns:a="http://schemas.openxmlformats.org/drawingml/2006/main" xmlns:r="http://schemas.openxmlformats.org/officeDocument/2006/relationships" xmlns:p="http://schemas.openxmlformats.org/presentationml/2006/main">
+  <p:cSld>
+    <p:spTree>
+      <p:nvGrpSpPr>
+        <p:cNvPr id="1" name=""/>
+        <p:cNvGrpSpPr/>
+        <p:nvPr/>
+      </p:nvGrpSpPr>
+      <p:grpSpPr>
+        <a:xfrm>
+          <a:off x="0" y="0"/>
+          <a:ext cx="0" cy="0"/>
+          <a:chOff x="0" y="0"/>
+          <a:chExt cx="0" cy="0"/>
+        </a:xfrm>
+      </p:grpSpPr>
+      <p:sp>
+        <p:nvSpPr>
+          <p:cNvPr id="5" name="內容版面配置區 4"/>
+          <p:cNvSpPr>
+            <a:spLocks noGrp="1"/>
+          </p:cNvSpPr>
+          <p:nvPr>
+            <p:ph idx="1"/>
+          </p:nvPr>
+        </p:nvSpPr>
+        <p:spPr>
+          <a:xfrm>
+            <a:off x="0" y="2084851"/>
+            <a:ext cx="12192000" cy="2404863"/>
+          </a:xfrm>
+        </p:spPr>
+        <p:txBody>
+          <a:bodyPr anchor="ctr">
             <a:normAutofit/>
           </a:bodyPr>
           <a:lstStyle/>
           <a:p>
-            <a:r>
-              <a:rPr lang="en-US" altLang="zh-TW" sz="4800" b="1" dirty="0">
-                <a:solidFill>
-                  <a:srgbClr val="002060"/>
-                </a:solidFill>
-                <a:latin typeface="Microsoft JhengHei" panose="020B0604030504040204" pitchFamily="34" charset="-120"/>
-                <a:ea typeface="Microsoft JhengHei" panose="020B0604030504040204" pitchFamily="34" charset="-120"/>
+            <a:pPr marL="0" indent="0" algn="ctr">
+              <a:buNone/>
+            </a:pPr>
+            <a:r>
+              <a:rPr lang="zh-CN" altLang="zh-TW" sz="6400" b="1" dirty="0">
+                <a:solidFill>
+                  <a:srgbClr val="660033"/>
+                </a:solidFill>
+                <a:latin typeface="Microsoft JhengHei" pitchFamily="34" charset="-120"/>
+                <a:ea typeface="Microsoft JhengHei" pitchFamily="34" charset="-120"/>
               </a:rPr>
-              <a:t>【</a:t>
-            </a:r>
-            <a:r>
-              <a:rPr lang="zh-TW" altLang="en-US" sz="4800" b="1" dirty="0">
-                <a:solidFill>
-                  <a:srgbClr val="002060"/>
-                </a:solidFill>
-                <a:latin typeface="Microsoft JhengHei" panose="020B0604030504040204" pitchFamily="34" charset="-120"/>
-                <a:ea typeface="Microsoft JhengHei" panose="020B0604030504040204" pitchFamily="34" charset="-120"/>
+              <a:t>耶穌死三日從墓中復起</a:t>
+            </a:r>
+          </a:p>
+          <a:p>
+            <a:pPr marL="0" indent="0" algn="ctr">
+              <a:buNone/>
+            </a:pPr>
+            <a:r>
+              <a:rPr lang="zh-CN" altLang="zh-TW" sz="6400" b="1" dirty="0">
+                <a:solidFill>
+                  <a:srgbClr val="660033"/>
+                </a:solidFill>
+                <a:latin typeface="Microsoft JhengHei" pitchFamily="34" charset="-120"/>
+                <a:ea typeface="Microsoft JhengHei" pitchFamily="34" charset="-120"/>
               </a:rPr>
-              <a:t>耶穌我救主降生伯利恆</a:t>
-            </a:r>
-            <a:r>
-              <a:rPr lang="en-US" altLang="zh-TW" sz="4800" b="1" dirty="0">
-                <a:solidFill>
-                  <a:srgbClr val="002060"/>
-                </a:solidFill>
-                <a:latin typeface="Microsoft JhengHei" panose="020B0604030504040204" pitchFamily="34" charset="-120"/>
-                <a:ea typeface="Microsoft JhengHei" panose="020B0604030504040204" pitchFamily="34" charset="-120"/>
-              </a:rPr>
-              <a:t>】</a:t>
-            </a:r>
-          </a:p>
-        </p:txBody>
-      </p:sp>
-      <p:sp>
-        <p:nvSpPr>
-          <p:cNvPr id="5" name="Content Placeholder 4"/>
-          <p:cNvSpPr>
-            <a:spLocks noGrp="1"/>
-          </p:cNvSpPr>
-          <p:nvPr>
-            <p:ph idx="1"/>
-          </p:nvPr>
+              <a:t>勝過撒但與死亡之權勢</a:t>
+            </a:r>
+          </a:p>
+        </p:txBody>
+      </p:sp>
+      <p:sp>
+        <p:nvSpPr>
+          <p:cNvPr id="3" name="TextBox 2"/>
+          <p:cNvSpPr txBox="1"/>
+          <p:nvPr/>
         </p:nvSpPr>
         <p:spPr>
           <a:xfrm>
-            <a:off x="0" y="1600203"/>
-            <a:ext cx="12192000" cy="5257797"/>
-          </a:xfrm>
-        </p:spPr>
-        <p:txBody>
-          <a:bodyPr>
-            <a:normAutofit/>
-          </a:bodyPr>
-          <a:lstStyle/>
-          <a:p>
-            <a:pPr marL="0" indent="0" algn="ctr">
-              <a:buNone/>
-            </a:pPr>
-            <a:r>
-              <a:rPr lang="zh-CN" altLang="zh-TW" sz="5400" b="1" dirty="0">
-                <a:solidFill>
-                  <a:srgbClr val="002060"/>
-                </a:solidFill>
-                <a:latin typeface="Microsoft JhengHei" panose="020B0604030504040204" pitchFamily="34" charset="-120"/>
-                <a:ea typeface="Microsoft JhengHei" panose="020B0604030504040204" pitchFamily="34" charset="-120"/>
-              </a:rPr>
-              <a:t>耶穌我救主降生伯利恆</a:t>
-            </a:r>
-          </a:p>
-          <a:p>
-            <a:pPr marL="0" indent="0" algn="ctr">
-              <a:buNone/>
-            </a:pPr>
-            <a:r>
-              <a:rPr lang="zh-CN" altLang="zh-TW" sz="5400" b="1" dirty="0">
-                <a:solidFill>
-                  <a:srgbClr val="002060"/>
-                </a:solidFill>
-                <a:latin typeface="Microsoft JhengHei" panose="020B0604030504040204" pitchFamily="34" charset="-120"/>
-                <a:ea typeface="Microsoft JhengHei" panose="020B0604030504040204" pitchFamily="34" charset="-120"/>
-              </a:rPr>
-              <a:t>貧苦之嬰孩裏布放槽中</a:t>
-            </a:r>
-          </a:p>
-          <a:p>
-            <a:pPr marL="0" indent="0" algn="ctr">
-              <a:buNone/>
-            </a:pPr>
-            <a:r>
-              <a:rPr lang="zh-CN" altLang="zh-TW" sz="5400" b="1" dirty="0">
-                <a:solidFill>
-                  <a:srgbClr val="002060"/>
-                </a:solidFill>
-                <a:latin typeface="Microsoft JhengHei" panose="020B0604030504040204" pitchFamily="34" charset="-120"/>
-                <a:ea typeface="Microsoft JhengHei" panose="020B0604030504040204" pitchFamily="34" charset="-120"/>
-              </a:rPr>
-              <a:t>奇哉其來意足動我心懷</a:t>
-            </a:r>
-          </a:p>
-          <a:p>
-            <a:pPr marL="0" indent="0" algn="ctr">
-              <a:buNone/>
-            </a:pPr>
-            <a:r>
-              <a:rPr lang="zh-CN" altLang="zh-TW" sz="5400" b="1" dirty="0">
-                <a:solidFill>
-                  <a:srgbClr val="002060"/>
-                </a:solidFill>
-                <a:latin typeface="Microsoft JhengHei" panose="020B0604030504040204" pitchFamily="34" charset="-120"/>
-                <a:ea typeface="Microsoft JhengHei" panose="020B0604030504040204" pitchFamily="34" charset="-120"/>
-              </a:rPr>
-              <a:t>主來尋我  尋我</a:t>
-            </a:r>
-          </a:p>
-        </p:txBody>
-      </p:sp>
-      <p:sp>
-        <p:nvSpPr>
-          <p:cNvPr id="6" name="Text Box 1"/>
-          <p:cNvSpPr txBox="1"/>
-          <p:nvPr/>
-        </p:nvSpPr>
-        <p:spPr>
-          <a:xfrm>
-            <a:off x="1055440" y="1700808"/>
-            <a:ext cx="911424" cy="923330"/>
+            <a:off x="0" y="5061182"/>
+            <a:ext cx="12192000" cy="830997"/>
           </a:xfrm>
           <a:prstGeom prst="rect">
             <a:avLst/>
           </a:prstGeom>
           <a:noFill/>
-          <a:ln w="9525">
-            <a:noFill/>
-            <a:miter lim="800000"/>
-          </a:ln>
         </p:spPr>
         <p:txBody>
-          <a:bodyPr wrap="square">
+          <a:bodyPr wrap="square" rtlCol="0">
             <a:spAutoFit/>
           </a:bodyPr>
           <a:lstStyle/>
           <a:p>
             <a:pPr algn="ctr"/>
             <a:r>
-              <a:rPr lang="en-US" sz="5400" b="1" dirty="0">
-                <a:solidFill>
-                  <a:srgbClr val="002060"/>
+              <a:rPr lang="en-US" sz="4800" b="1" dirty="0">
+                <a:solidFill>
+                  <a:srgbClr val="660033"/>
                 </a:solidFill>
               </a:rPr>
-              <a:t>1</a:t>
-            </a:r>
-            <a:r>
-              <a:rPr lang="en-US" sz="5400" b="1" dirty="0" smtClean="0">
-                <a:solidFill>
-                  <a:srgbClr val="002060"/>
-                </a:solidFill>
-              </a:rPr>
-              <a:t>.</a:t>
-            </a:r>
-            <a:endParaRPr lang="en-US" sz="5400" b="1" dirty="0">
+              <a:t>( 3 )</a:t>
+            </a:r>
+            <a:endParaRPr lang="vi-VN" sz="4800" b="1" dirty="0">
               <a:solidFill>
-                <a:srgbClr val="002060"/>
+                <a:srgbClr val="660033"/>
               </a:solidFill>
             </a:endParaRPr>
           </a:p>
@@ -3909,7 +4003,973 @@
     </p:spTree>
     <p:extLst>
       <p:ext uri="{BB962C8B-B14F-4D97-AF65-F5344CB8AC3E}">
-        <p14:creationId xmlns:p14="http://schemas.microsoft.com/office/powerpoint/2010/main" val="1236692783"/>
+        <p14:creationId xmlns:p14="http://schemas.microsoft.com/office/powerpoint/2010/main" val="151680354"/>
+      </p:ext>
+    </p:extLst>
+  </p:cSld>
+  <p:clrMapOvr>
+    <a:masterClrMapping/>
+  </p:clrMapOvr>
+  <p:timing>
+    <p:tnLst>
+      <p:par>
+        <p:cTn id="1" dur="indefinite" restart="never" nodeType="tmRoot"/>
+      </p:par>
+    </p:tnLst>
+  </p:timing>
+</p:sld>
+</file>
+
+<file path=ppt/slides/slide11.xml><?xml version="1.0" encoding="utf-8"?>
+<p:sld xmlns:a="http://schemas.openxmlformats.org/drawingml/2006/main" xmlns:r="http://schemas.openxmlformats.org/officeDocument/2006/relationships" xmlns:p="http://schemas.openxmlformats.org/presentationml/2006/main">
+  <p:cSld>
+    <p:spTree>
+      <p:nvGrpSpPr>
+        <p:cNvPr id="1" name=""/>
+        <p:cNvGrpSpPr/>
+        <p:nvPr/>
+      </p:nvGrpSpPr>
+      <p:grpSpPr>
+        <a:xfrm>
+          <a:off x="0" y="0"/>
+          <a:ext cx="0" cy="0"/>
+          <a:chOff x="0" y="0"/>
+          <a:chExt cx="0" cy="0"/>
+        </a:xfrm>
+      </p:grpSpPr>
+      <p:sp>
+        <p:nvSpPr>
+          <p:cNvPr id="5" name="內容版面配置區 4"/>
+          <p:cNvSpPr>
+            <a:spLocks noGrp="1"/>
+          </p:cNvSpPr>
+          <p:nvPr>
+            <p:ph idx="1"/>
+          </p:nvPr>
+        </p:nvSpPr>
+        <p:spPr>
+          <a:xfrm>
+            <a:off x="0" y="2084851"/>
+            <a:ext cx="12192000" cy="2404863"/>
+          </a:xfrm>
+        </p:spPr>
+        <p:txBody>
+          <a:bodyPr anchor="ctr">
+            <a:normAutofit/>
+          </a:bodyPr>
+          <a:lstStyle/>
+          <a:p>
+            <a:pPr marL="0" indent="0" algn="ctr">
+              <a:buNone/>
+            </a:pPr>
+            <a:r>
+              <a:rPr lang="zh-CN" altLang="zh-TW" sz="6400" b="1" dirty="0">
+                <a:solidFill>
+                  <a:srgbClr val="660033"/>
+                </a:solidFill>
+                <a:latin typeface="Microsoft JhengHei" pitchFamily="34" charset="-120"/>
+                <a:ea typeface="Microsoft JhengHei" pitchFamily="34" charset="-120"/>
+              </a:rPr>
+              <a:t>主永遠活</a:t>
+            </a:r>
+            <a:r>
+              <a:rPr lang="zh-CN" altLang="en-US" sz="6400" b="1" dirty="0">
+                <a:solidFill>
+                  <a:srgbClr val="660033"/>
+                </a:solidFill>
+                <a:latin typeface="Microsoft JhengHei" pitchFamily="34" charset="-120"/>
+                <a:ea typeface="Microsoft JhengHei" pitchFamily="34" charset="-120"/>
+              </a:rPr>
+              <a:t>着</a:t>
+            </a:r>
+            <a:r>
+              <a:rPr lang="zh-CN" altLang="zh-TW" sz="6400" b="1" dirty="0">
+                <a:solidFill>
+                  <a:srgbClr val="660033"/>
+                </a:solidFill>
+                <a:latin typeface="Microsoft JhengHei" pitchFamily="34" charset="-120"/>
+                <a:ea typeface="Microsoft JhengHei" pitchFamily="34" charset="-120"/>
+              </a:rPr>
+              <a:t>必救我到底</a:t>
+            </a:r>
+          </a:p>
+          <a:p>
+            <a:pPr marL="0" indent="0" algn="ctr">
+              <a:buNone/>
+            </a:pPr>
+            <a:r>
+              <a:rPr lang="zh-CN" altLang="zh-TW" sz="6400" b="1" dirty="0">
+                <a:solidFill>
+                  <a:srgbClr val="660033"/>
+                </a:solidFill>
+                <a:latin typeface="Microsoft JhengHei" pitchFamily="34" charset="-120"/>
+                <a:ea typeface="Microsoft JhengHei" pitchFamily="34" charset="-120"/>
+              </a:rPr>
+              <a:t>主活為我  為我</a:t>
+            </a:r>
+          </a:p>
+        </p:txBody>
+      </p:sp>
+      <p:sp>
+        <p:nvSpPr>
+          <p:cNvPr id="3" name="TextBox 2"/>
+          <p:cNvSpPr txBox="1"/>
+          <p:nvPr/>
+        </p:nvSpPr>
+        <p:spPr>
+          <a:xfrm>
+            <a:off x="0" y="5061182"/>
+            <a:ext cx="12192000" cy="830997"/>
+          </a:xfrm>
+          <a:prstGeom prst="rect">
+            <a:avLst/>
+          </a:prstGeom>
+          <a:noFill/>
+        </p:spPr>
+        <p:txBody>
+          <a:bodyPr wrap="square" rtlCol="0">
+            <a:spAutoFit/>
+          </a:bodyPr>
+          <a:lstStyle/>
+          <a:p>
+            <a:pPr algn="ctr"/>
+            <a:r>
+              <a:rPr lang="en-US" sz="4800" b="1" dirty="0">
+                <a:solidFill>
+                  <a:srgbClr val="660033"/>
+                </a:solidFill>
+              </a:rPr>
+              <a:t>( 3 )</a:t>
+            </a:r>
+            <a:endParaRPr lang="vi-VN" sz="4800" b="1" dirty="0">
+              <a:solidFill>
+                <a:srgbClr val="660033"/>
+              </a:solidFill>
+            </a:endParaRPr>
+          </a:p>
+        </p:txBody>
+      </p:sp>
+    </p:spTree>
+    <p:extLst>
+      <p:ext uri="{BB962C8B-B14F-4D97-AF65-F5344CB8AC3E}">
+        <p14:creationId xmlns:p14="http://schemas.microsoft.com/office/powerpoint/2010/main" val="1342782786"/>
+      </p:ext>
+    </p:extLst>
+  </p:cSld>
+  <p:clrMapOvr>
+    <a:masterClrMapping/>
+  </p:clrMapOvr>
+  <p:timing>
+    <p:tnLst>
+      <p:par>
+        <p:cTn id="1" dur="indefinite" restart="never" nodeType="tmRoot"/>
+      </p:par>
+    </p:tnLst>
+  </p:timing>
+</p:sld>
+</file>
+
+<file path=ppt/slides/slide12.xml><?xml version="1.0" encoding="utf-8"?>
+<p:sld xmlns:a="http://schemas.openxmlformats.org/drawingml/2006/main" xmlns:r="http://schemas.openxmlformats.org/officeDocument/2006/relationships" xmlns:p="http://schemas.openxmlformats.org/presentationml/2006/main">
+  <p:cSld>
+    <p:spTree>
+      <p:nvGrpSpPr>
+        <p:cNvPr id="1" name=""/>
+        <p:cNvGrpSpPr/>
+        <p:nvPr/>
+      </p:nvGrpSpPr>
+      <p:grpSpPr>
+        <a:xfrm>
+          <a:off x="0" y="0"/>
+          <a:ext cx="0" cy="0"/>
+          <a:chOff x="0" y="0"/>
+          <a:chExt cx="0" cy="0"/>
+        </a:xfrm>
+      </p:grpSpPr>
+      <p:sp>
+        <p:nvSpPr>
+          <p:cNvPr id="5" name="內容版面配置區 4"/>
+          <p:cNvSpPr>
+            <a:spLocks noGrp="1"/>
+          </p:cNvSpPr>
+          <p:nvPr>
+            <p:ph idx="1"/>
+          </p:nvPr>
+        </p:nvSpPr>
+        <p:spPr>
+          <a:xfrm>
+            <a:off x="0" y="2084851"/>
+            <a:ext cx="12192000" cy="2404863"/>
+          </a:xfrm>
+        </p:spPr>
+        <p:txBody>
+          <a:bodyPr anchor="ctr">
+            <a:normAutofit/>
+          </a:bodyPr>
+          <a:lstStyle/>
+          <a:p>
+            <a:pPr marL="0" indent="0" algn="ctr">
+              <a:buNone/>
+            </a:pPr>
+            <a:r>
+              <a:rPr lang="zh-CN" altLang="zh-TW" sz="6400" b="1" dirty="0">
+                <a:solidFill>
+                  <a:srgbClr val="660033"/>
+                </a:solidFill>
+                <a:latin typeface="Microsoft JhengHei" pitchFamily="34" charset="-120"/>
+                <a:ea typeface="Microsoft JhengHei" pitchFamily="34" charset="-120"/>
+                <a:sym typeface="+mn-ea"/>
+              </a:rPr>
+              <a:t>主活為我  為我</a:t>
+            </a:r>
+          </a:p>
+          <a:p>
+            <a:pPr marL="0" indent="0" algn="ctr">
+              <a:buNone/>
+            </a:pPr>
+            <a:r>
+              <a:rPr lang="zh-CN" altLang="zh-TW" sz="6400" b="1" dirty="0">
+                <a:solidFill>
+                  <a:srgbClr val="660033"/>
+                </a:solidFill>
+                <a:latin typeface="Microsoft JhengHei" pitchFamily="34" charset="-120"/>
+                <a:ea typeface="Microsoft JhengHei" pitchFamily="34" charset="-120"/>
+                <a:sym typeface="+mn-ea"/>
+              </a:rPr>
+              <a:t>主活為我  為我</a:t>
+            </a:r>
+          </a:p>
+        </p:txBody>
+      </p:sp>
+      <p:sp>
+        <p:nvSpPr>
+          <p:cNvPr id="3" name="TextBox 2"/>
+          <p:cNvSpPr txBox="1"/>
+          <p:nvPr/>
+        </p:nvSpPr>
+        <p:spPr>
+          <a:xfrm>
+            <a:off x="0" y="5061182"/>
+            <a:ext cx="12192000" cy="830997"/>
+          </a:xfrm>
+          <a:prstGeom prst="rect">
+            <a:avLst/>
+          </a:prstGeom>
+          <a:noFill/>
+        </p:spPr>
+        <p:txBody>
+          <a:bodyPr wrap="square" rtlCol="0">
+            <a:spAutoFit/>
+          </a:bodyPr>
+          <a:lstStyle/>
+          <a:p>
+            <a:pPr algn="ctr"/>
+            <a:r>
+              <a:rPr lang="en-US" sz="4800" b="1" dirty="0">
+                <a:solidFill>
+                  <a:srgbClr val="660033"/>
+                </a:solidFill>
+              </a:rPr>
+              <a:t>( 3 )</a:t>
+            </a:r>
+            <a:endParaRPr lang="vi-VN" sz="4800" b="1" dirty="0">
+              <a:solidFill>
+                <a:srgbClr val="660033"/>
+              </a:solidFill>
+            </a:endParaRPr>
+          </a:p>
+        </p:txBody>
+      </p:sp>
+    </p:spTree>
+    <p:extLst>
+      <p:ext uri="{BB962C8B-B14F-4D97-AF65-F5344CB8AC3E}">
+        <p14:creationId xmlns:p14="http://schemas.microsoft.com/office/powerpoint/2010/main" val="252783608"/>
+      </p:ext>
+    </p:extLst>
+  </p:cSld>
+  <p:clrMapOvr>
+    <a:masterClrMapping/>
+  </p:clrMapOvr>
+  <p:timing>
+    <p:tnLst>
+      <p:par>
+        <p:cTn id="1" dur="indefinite" restart="never" nodeType="tmRoot"/>
+      </p:par>
+    </p:tnLst>
+  </p:timing>
+</p:sld>
+</file>
+
+<file path=ppt/slides/slide13.xml><?xml version="1.0" encoding="utf-8"?>
+<p:sld xmlns:a="http://schemas.openxmlformats.org/drawingml/2006/main" xmlns:r="http://schemas.openxmlformats.org/officeDocument/2006/relationships" xmlns:p="http://schemas.openxmlformats.org/presentationml/2006/main">
+  <p:cSld>
+    <p:spTree>
+      <p:nvGrpSpPr>
+        <p:cNvPr id="1" name=""/>
+        <p:cNvGrpSpPr/>
+        <p:nvPr/>
+      </p:nvGrpSpPr>
+      <p:grpSpPr>
+        <a:xfrm>
+          <a:off x="0" y="0"/>
+          <a:ext cx="0" cy="0"/>
+          <a:chOff x="0" y="0"/>
+          <a:chExt cx="0" cy="0"/>
+        </a:xfrm>
+      </p:grpSpPr>
+      <p:sp>
+        <p:nvSpPr>
+          <p:cNvPr id="5" name="內容版面配置區 4"/>
+          <p:cNvSpPr>
+            <a:spLocks noGrp="1"/>
+          </p:cNvSpPr>
+          <p:nvPr>
+            <p:ph idx="1"/>
+          </p:nvPr>
+        </p:nvSpPr>
+        <p:spPr>
+          <a:xfrm>
+            <a:off x="0" y="2084851"/>
+            <a:ext cx="12192000" cy="2404863"/>
+          </a:xfrm>
+        </p:spPr>
+        <p:txBody>
+          <a:bodyPr anchor="ctr">
+            <a:normAutofit/>
+          </a:bodyPr>
+          <a:lstStyle/>
+          <a:p>
+            <a:pPr marL="0" indent="0" algn="ctr">
+              <a:buNone/>
+            </a:pPr>
+            <a:r>
+              <a:rPr lang="zh-CN" altLang="zh-TW" sz="6400" b="1" dirty="0">
+                <a:solidFill>
+                  <a:srgbClr val="660033"/>
+                </a:solidFill>
+                <a:latin typeface="Microsoft JhengHei" pitchFamily="34" charset="-120"/>
+                <a:ea typeface="Microsoft JhengHei" pitchFamily="34" charset="-120"/>
+                <a:sym typeface="+mn-ea"/>
+              </a:rPr>
+              <a:t>主永遠活</a:t>
+            </a:r>
+            <a:r>
+              <a:rPr lang="zh-CN" altLang="en-US" sz="6400" b="1" dirty="0">
+                <a:solidFill>
+                  <a:srgbClr val="660033"/>
+                </a:solidFill>
+                <a:latin typeface="Microsoft JhengHei" pitchFamily="34" charset="-120"/>
+                <a:ea typeface="Microsoft JhengHei" pitchFamily="34" charset="-120"/>
+              </a:rPr>
+              <a:t>着</a:t>
+            </a:r>
+            <a:r>
+              <a:rPr lang="zh-CN" altLang="zh-TW" sz="6400" b="1" dirty="0">
+                <a:solidFill>
+                  <a:srgbClr val="660033"/>
+                </a:solidFill>
+                <a:latin typeface="Microsoft JhengHei" pitchFamily="34" charset="-120"/>
+                <a:ea typeface="Microsoft JhengHei" pitchFamily="34" charset="-120"/>
+                <a:sym typeface="+mn-ea"/>
+              </a:rPr>
+              <a:t>必救我到底</a:t>
+            </a:r>
+          </a:p>
+          <a:p>
+            <a:pPr marL="0" indent="0" algn="ctr">
+              <a:buNone/>
+            </a:pPr>
+            <a:r>
+              <a:rPr lang="zh-CN" altLang="zh-TW" sz="6400" b="1" dirty="0">
+                <a:solidFill>
+                  <a:srgbClr val="660033"/>
+                </a:solidFill>
+                <a:latin typeface="Microsoft JhengHei" pitchFamily="34" charset="-120"/>
+                <a:ea typeface="Microsoft JhengHei" pitchFamily="34" charset="-120"/>
+                <a:sym typeface="+mn-ea"/>
+              </a:rPr>
+              <a:t>主活為我  為我</a:t>
+            </a:r>
+            <a:endParaRPr lang="zh-CN" altLang="zh-TW" sz="6400" b="1" dirty="0">
+              <a:solidFill>
+                <a:srgbClr val="660033"/>
+              </a:solidFill>
+              <a:latin typeface="Microsoft JhengHei" pitchFamily="34" charset="-120"/>
+              <a:ea typeface="Microsoft JhengHei" pitchFamily="34" charset="-120"/>
+            </a:endParaRPr>
+          </a:p>
+        </p:txBody>
+      </p:sp>
+      <p:sp>
+        <p:nvSpPr>
+          <p:cNvPr id="3" name="TextBox 2"/>
+          <p:cNvSpPr txBox="1"/>
+          <p:nvPr/>
+        </p:nvSpPr>
+        <p:spPr>
+          <a:xfrm>
+            <a:off x="0" y="5061182"/>
+            <a:ext cx="12192000" cy="830997"/>
+          </a:xfrm>
+          <a:prstGeom prst="rect">
+            <a:avLst/>
+          </a:prstGeom>
+          <a:noFill/>
+        </p:spPr>
+        <p:txBody>
+          <a:bodyPr wrap="square" rtlCol="0">
+            <a:spAutoFit/>
+          </a:bodyPr>
+          <a:lstStyle/>
+          <a:p>
+            <a:pPr algn="ctr"/>
+            <a:r>
+              <a:rPr lang="en-US" sz="4800" b="1" dirty="0">
+                <a:solidFill>
+                  <a:srgbClr val="660033"/>
+                </a:solidFill>
+              </a:rPr>
+              <a:t>( 3 )</a:t>
+            </a:r>
+            <a:endParaRPr lang="vi-VN" sz="4800" b="1" dirty="0">
+              <a:solidFill>
+                <a:srgbClr val="660033"/>
+              </a:solidFill>
+            </a:endParaRPr>
+          </a:p>
+        </p:txBody>
+      </p:sp>
+    </p:spTree>
+    <p:extLst>
+      <p:ext uri="{BB962C8B-B14F-4D97-AF65-F5344CB8AC3E}">
+        <p14:creationId xmlns:p14="http://schemas.microsoft.com/office/powerpoint/2010/main" val="2290383500"/>
+      </p:ext>
+    </p:extLst>
+  </p:cSld>
+  <p:clrMapOvr>
+    <a:masterClrMapping/>
+  </p:clrMapOvr>
+  <p:timing>
+    <p:tnLst>
+      <p:par>
+        <p:cTn id="1" dur="indefinite" restart="never" nodeType="tmRoot"/>
+      </p:par>
+    </p:tnLst>
+  </p:timing>
+</p:sld>
+</file>
+
+<file path=ppt/slides/slide14.xml><?xml version="1.0" encoding="utf-8"?>
+<p:sld xmlns:a="http://schemas.openxmlformats.org/drawingml/2006/main" xmlns:r="http://schemas.openxmlformats.org/officeDocument/2006/relationships" xmlns:p="http://schemas.openxmlformats.org/presentationml/2006/main">
+  <p:cSld>
+    <p:spTree>
+      <p:nvGrpSpPr>
+        <p:cNvPr id="1" name=""/>
+        <p:cNvGrpSpPr/>
+        <p:nvPr/>
+      </p:nvGrpSpPr>
+      <p:grpSpPr>
+        <a:xfrm>
+          <a:off x="0" y="0"/>
+          <a:ext cx="0" cy="0"/>
+          <a:chOff x="0" y="0"/>
+          <a:chExt cx="0" cy="0"/>
+        </a:xfrm>
+      </p:grpSpPr>
+      <p:sp>
+        <p:nvSpPr>
+          <p:cNvPr id="5" name="內容版面配置區 4"/>
+          <p:cNvSpPr>
+            <a:spLocks noGrp="1"/>
+          </p:cNvSpPr>
+          <p:nvPr>
+            <p:ph idx="1"/>
+          </p:nvPr>
+        </p:nvSpPr>
+        <p:spPr>
+          <a:xfrm>
+            <a:off x="0" y="2084851"/>
+            <a:ext cx="12192000" cy="2404863"/>
+          </a:xfrm>
+        </p:spPr>
+        <p:txBody>
+          <a:bodyPr anchor="ctr">
+            <a:normAutofit/>
+          </a:bodyPr>
+          <a:lstStyle/>
+          <a:p>
+            <a:pPr marL="0" indent="0" algn="ctr">
+              <a:buNone/>
+            </a:pPr>
+            <a:r>
+              <a:rPr lang="zh-CN" altLang="zh-TW" sz="6400" b="1" dirty="0">
+                <a:solidFill>
+                  <a:srgbClr val="660033"/>
+                </a:solidFill>
+                <a:latin typeface="Microsoft JhengHei" pitchFamily="34" charset="-120"/>
+                <a:ea typeface="Microsoft JhengHei" pitchFamily="34" charset="-120"/>
+              </a:rPr>
+              <a:t>耶穌有應許不久再臨世</a:t>
+            </a:r>
+          </a:p>
+          <a:p>
+            <a:pPr marL="0" indent="0" algn="ctr">
+              <a:buNone/>
+            </a:pPr>
+            <a:r>
+              <a:rPr lang="zh-CN" altLang="zh-TW" sz="6400" b="1" dirty="0">
+                <a:solidFill>
+                  <a:srgbClr val="660033"/>
+                </a:solidFill>
+                <a:latin typeface="Microsoft JhengHei" pitchFamily="34" charset="-120"/>
+                <a:ea typeface="Microsoft JhengHei" pitchFamily="34" charset="-120"/>
+              </a:rPr>
+              <a:t>信徒聞此言甚安慰快意</a:t>
+            </a:r>
+          </a:p>
+        </p:txBody>
+      </p:sp>
+      <p:sp>
+        <p:nvSpPr>
+          <p:cNvPr id="3" name="TextBox 2"/>
+          <p:cNvSpPr txBox="1"/>
+          <p:nvPr/>
+        </p:nvSpPr>
+        <p:spPr>
+          <a:xfrm>
+            <a:off x="0" y="5061182"/>
+            <a:ext cx="12192000" cy="830997"/>
+          </a:xfrm>
+          <a:prstGeom prst="rect">
+            <a:avLst/>
+          </a:prstGeom>
+          <a:noFill/>
+        </p:spPr>
+        <p:txBody>
+          <a:bodyPr wrap="square" rtlCol="0">
+            <a:spAutoFit/>
+          </a:bodyPr>
+          <a:lstStyle/>
+          <a:p>
+            <a:pPr algn="ctr"/>
+            <a:r>
+              <a:rPr lang="en-US" sz="4800" b="1" dirty="0">
+                <a:solidFill>
+                  <a:srgbClr val="660033"/>
+                </a:solidFill>
+              </a:rPr>
+              <a:t>( 4 )</a:t>
+            </a:r>
+            <a:endParaRPr lang="vi-VN" sz="4800" b="1" dirty="0">
+              <a:solidFill>
+                <a:srgbClr val="660033"/>
+              </a:solidFill>
+            </a:endParaRPr>
+          </a:p>
+        </p:txBody>
+      </p:sp>
+    </p:spTree>
+    <p:extLst>
+      <p:ext uri="{BB962C8B-B14F-4D97-AF65-F5344CB8AC3E}">
+        <p14:creationId xmlns:p14="http://schemas.microsoft.com/office/powerpoint/2010/main" val="1829684881"/>
+      </p:ext>
+    </p:extLst>
+  </p:cSld>
+  <p:clrMapOvr>
+    <a:masterClrMapping/>
+  </p:clrMapOvr>
+  <p:timing>
+    <p:tnLst>
+      <p:par>
+        <p:cTn id="1" dur="indefinite" restart="never" nodeType="tmRoot"/>
+      </p:par>
+    </p:tnLst>
+  </p:timing>
+</p:sld>
+</file>
+
+<file path=ppt/slides/slide15.xml><?xml version="1.0" encoding="utf-8"?>
+<p:sld xmlns:a="http://schemas.openxmlformats.org/drawingml/2006/main" xmlns:r="http://schemas.openxmlformats.org/officeDocument/2006/relationships" xmlns:p="http://schemas.openxmlformats.org/presentationml/2006/main">
+  <p:cSld>
+    <p:spTree>
+      <p:nvGrpSpPr>
+        <p:cNvPr id="1" name=""/>
+        <p:cNvGrpSpPr/>
+        <p:nvPr/>
+      </p:nvGrpSpPr>
+      <p:grpSpPr>
+        <a:xfrm>
+          <a:off x="0" y="0"/>
+          <a:ext cx="0" cy="0"/>
+          <a:chOff x="0" y="0"/>
+          <a:chExt cx="0" cy="0"/>
+        </a:xfrm>
+      </p:grpSpPr>
+      <p:sp>
+        <p:nvSpPr>
+          <p:cNvPr id="5" name="內容版面配置區 4"/>
+          <p:cNvSpPr>
+            <a:spLocks noGrp="1"/>
+          </p:cNvSpPr>
+          <p:nvPr>
+            <p:ph idx="1"/>
+          </p:nvPr>
+        </p:nvSpPr>
+        <p:spPr>
+          <a:xfrm>
+            <a:off x="0" y="2084851"/>
+            <a:ext cx="12192000" cy="2404863"/>
+          </a:xfrm>
+        </p:spPr>
+        <p:txBody>
+          <a:bodyPr anchor="ctr">
+            <a:normAutofit/>
+          </a:bodyPr>
+          <a:lstStyle/>
+          <a:p>
+            <a:pPr marL="0" indent="0" algn="ctr">
+              <a:buNone/>
+            </a:pPr>
+            <a:r>
+              <a:rPr lang="zh-CN" altLang="zh-TW" sz="6400" b="1" dirty="0">
+                <a:solidFill>
+                  <a:srgbClr val="660033"/>
+                </a:solidFill>
+                <a:latin typeface="Microsoft JhengHei" pitchFamily="34" charset="-120"/>
+                <a:ea typeface="Microsoft JhengHei" pitchFamily="34" charset="-120"/>
+              </a:rPr>
+              <a:t>救主再降臨恩愛最奇異</a:t>
+            </a:r>
+          </a:p>
+          <a:p>
+            <a:pPr marL="0" indent="0" algn="ctr">
+              <a:buNone/>
+            </a:pPr>
+            <a:r>
+              <a:rPr lang="zh-CN" altLang="zh-TW" sz="6400" b="1" dirty="0">
+                <a:solidFill>
+                  <a:srgbClr val="660033"/>
+                </a:solidFill>
+                <a:latin typeface="Microsoft JhengHei" pitchFamily="34" charset="-120"/>
+                <a:ea typeface="Microsoft JhengHei" pitchFamily="34" charset="-120"/>
+              </a:rPr>
+              <a:t>主來接我  接我</a:t>
+            </a:r>
+          </a:p>
+        </p:txBody>
+      </p:sp>
+      <p:sp>
+        <p:nvSpPr>
+          <p:cNvPr id="3" name="TextBox 2"/>
+          <p:cNvSpPr txBox="1"/>
+          <p:nvPr/>
+        </p:nvSpPr>
+        <p:spPr>
+          <a:xfrm>
+            <a:off x="0" y="5061182"/>
+            <a:ext cx="12192000" cy="830997"/>
+          </a:xfrm>
+          <a:prstGeom prst="rect">
+            <a:avLst/>
+          </a:prstGeom>
+          <a:noFill/>
+        </p:spPr>
+        <p:txBody>
+          <a:bodyPr wrap="square" rtlCol="0">
+            <a:spAutoFit/>
+          </a:bodyPr>
+          <a:lstStyle/>
+          <a:p>
+            <a:pPr algn="ctr"/>
+            <a:r>
+              <a:rPr lang="en-US" sz="4800" b="1" dirty="0">
+                <a:solidFill>
+                  <a:srgbClr val="660033"/>
+                </a:solidFill>
+              </a:rPr>
+              <a:t>( 4 )</a:t>
+            </a:r>
+            <a:endParaRPr lang="vi-VN" sz="4800" b="1" dirty="0">
+              <a:solidFill>
+                <a:srgbClr val="660033"/>
+              </a:solidFill>
+            </a:endParaRPr>
+          </a:p>
+        </p:txBody>
+      </p:sp>
+    </p:spTree>
+    <p:extLst>
+      <p:ext uri="{BB962C8B-B14F-4D97-AF65-F5344CB8AC3E}">
+        <p14:creationId xmlns:p14="http://schemas.microsoft.com/office/powerpoint/2010/main" val="15321027"/>
+      </p:ext>
+    </p:extLst>
+  </p:cSld>
+  <p:clrMapOvr>
+    <a:masterClrMapping/>
+  </p:clrMapOvr>
+  <p:timing>
+    <p:tnLst>
+      <p:par>
+        <p:cTn id="1" dur="indefinite" restart="never" nodeType="tmRoot"/>
+      </p:par>
+    </p:tnLst>
+  </p:timing>
+</p:sld>
+</file>
+
+<file path=ppt/slides/slide16.xml><?xml version="1.0" encoding="utf-8"?>
+<p:sld xmlns:a="http://schemas.openxmlformats.org/drawingml/2006/main" xmlns:r="http://schemas.openxmlformats.org/officeDocument/2006/relationships" xmlns:p="http://schemas.openxmlformats.org/presentationml/2006/main">
+  <p:cSld>
+    <p:spTree>
+      <p:nvGrpSpPr>
+        <p:cNvPr id="1" name=""/>
+        <p:cNvGrpSpPr/>
+        <p:nvPr/>
+      </p:nvGrpSpPr>
+      <p:grpSpPr>
+        <a:xfrm>
+          <a:off x="0" y="0"/>
+          <a:ext cx="0" cy="0"/>
+          <a:chOff x="0" y="0"/>
+          <a:chExt cx="0" cy="0"/>
+        </a:xfrm>
+      </p:grpSpPr>
+      <p:sp>
+        <p:nvSpPr>
+          <p:cNvPr id="5" name="內容版面配置區 4"/>
+          <p:cNvSpPr>
+            <a:spLocks noGrp="1"/>
+          </p:cNvSpPr>
+          <p:nvPr>
+            <p:ph idx="1"/>
+          </p:nvPr>
+        </p:nvSpPr>
+        <p:spPr>
+          <a:xfrm>
+            <a:off x="0" y="2084851"/>
+            <a:ext cx="12192000" cy="2404863"/>
+          </a:xfrm>
+        </p:spPr>
+        <p:txBody>
+          <a:bodyPr anchor="ctr">
+            <a:normAutofit/>
+          </a:bodyPr>
+          <a:lstStyle/>
+          <a:p>
+            <a:pPr marL="0" indent="0" algn="ctr">
+              <a:buNone/>
+            </a:pPr>
+            <a:r>
+              <a:rPr lang="zh-CN" altLang="zh-TW" sz="6400" b="1" dirty="0">
+                <a:solidFill>
+                  <a:srgbClr val="660033"/>
+                </a:solidFill>
+                <a:latin typeface="Microsoft JhengHei" pitchFamily="34" charset="-120"/>
+                <a:ea typeface="Microsoft JhengHei" pitchFamily="34" charset="-120"/>
+                <a:sym typeface="+mn-ea"/>
+              </a:rPr>
+              <a:t>主來接我  接我</a:t>
+            </a:r>
+          </a:p>
+          <a:p>
+            <a:pPr marL="0" indent="0" algn="ctr">
+              <a:buNone/>
+            </a:pPr>
+            <a:r>
+              <a:rPr lang="zh-CN" altLang="zh-TW" sz="6400" b="1" dirty="0">
+                <a:solidFill>
+                  <a:srgbClr val="660033"/>
+                </a:solidFill>
+                <a:latin typeface="Microsoft JhengHei" pitchFamily="34" charset="-120"/>
+                <a:ea typeface="Microsoft JhengHei" pitchFamily="34" charset="-120"/>
+                <a:sym typeface="+mn-ea"/>
+              </a:rPr>
+              <a:t>主來接我  接我</a:t>
+            </a:r>
+          </a:p>
+        </p:txBody>
+      </p:sp>
+      <p:sp>
+        <p:nvSpPr>
+          <p:cNvPr id="3" name="TextBox 2"/>
+          <p:cNvSpPr txBox="1"/>
+          <p:nvPr/>
+        </p:nvSpPr>
+        <p:spPr>
+          <a:xfrm>
+            <a:off x="0" y="5061182"/>
+            <a:ext cx="12192000" cy="830997"/>
+          </a:xfrm>
+          <a:prstGeom prst="rect">
+            <a:avLst/>
+          </a:prstGeom>
+          <a:noFill/>
+        </p:spPr>
+        <p:txBody>
+          <a:bodyPr wrap="square" rtlCol="0">
+            <a:spAutoFit/>
+          </a:bodyPr>
+          <a:lstStyle/>
+          <a:p>
+            <a:pPr algn="ctr"/>
+            <a:r>
+              <a:rPr lang="en-US" sz="4800" b="1" dirty="0">
+                <a:solidFill>
+                  <a:srgbClr val="660033"/>
+                </a:solidFill>
+              </a:rPr>
+              <a:t>( 4 )</a:t>
+            </a:r>
+            <a:endParaRPr lang="vi-VN" sz="4800" b="1" dirty="0">
+              <a:solidFill>
+                <a:srgbClr val="660033"/>
+              </a:solidFill>
+            </a:endParaRPr>
+          </a:p>
+        </p:txBody>
+      </p:sp>
+    </p:spTree>
+    <p:extLst>
+      <p:ext uri="{BB962C8B-B14F-4D97-AF65-F5344CB8AC3E}">
+        <p14:creationId xmlns:p14="http://schemas.microsoft.com/office/powerpoint/2010/main" val="1657548937"/>
+      </p:ext>
+    </p:extLst>
+  </p:cSld>
+  <p:clrMapOvr>
+    <a:masterClrMapping/>
+  </p:clrMapOvr>
+  <p:timing>
+    <p:tnLst>
+      <p:par>
+        <p:cTn id="1" dur="indefinite" restart="never" nodeType="tmRoot"/>
+      </p:par>
+    </p:tnLst>
+  </p:timing>
+</p:sld>
+</file>
+
+<file path=ppt/slides/slide17.xml><?xml version="1.0" encoding="utf-8"?>
+<p:sld xmlns:a="http://schemas.openxmlformats.org/drawingml/2006/main" xmlns:r="http://schemas.openxmlformats.org/officeDocument/2006/relationships" xmlns:p="http://schemas.openxmlformats.org/presentationml/2006/main">
+  <p:cSld>
+    <p:spTree>
+      <p:nvGrpSpPr>
+        <p:cNvPr id="1" name=""/>
+        <p:cNvGrpSpPr/>
+        <p:nvPr/>
+      </p:nvGrpSpPr>
+      <p:grpSpPr>
+        <a:xfrm>
+          <a:off x="0" y="0"/>
+          <a:ext cx="0" cy="0"/>
+          <a:chOff x="0" y="0"/>
+          <a:chExt cx="0" cy="0"/>
+        </a:xfrm>
+      </p:grpSpPr>
+      <p:sp>
+        <p:nvSpPr>
+          <p:cNvPr id="5" name="內容版面配置區 4"/>
+          <p:cNvSpPr>
+            <a:spLocks noGrp="1"/>
+          </p:cNvSpPr>
+          <p:nvPr>
+            <p:ph idx="1"/>
+          </p:nvPr>
+        </p:nvSpPr>
+        <p:spPr>
+          <a:xfrm>
+            <a:off x="0" y="2084851"/>
+            <a:ext cx="12192000" cy="2404863"/>
+          </a:xfrm>
+        </p:spPr>
+        <p:txBody>
+          <a:bodyPr anchor="ctr">
+            <a:normAutofit/>
+          </a:bodyPr>
+          <a:lstStyle/>
+          <a:p>
+            <a:pPr marL="0" indent="0" algn="ctr">
+              <a:buNone/>
+            </a:pPr>
+            <a:r>
+              <a:rPr lang="zh-CN" altLang="zh-TW" sz="6400" b="1" dirty="0">
+                <a:solidFill>
+                  <a:srgbClr val="660033"/>
+                </a:solidFill>
+                <a:latin typeface="Microsoft JhengHei" pitchFamily="34" charset="-120"/>
+                <a:ea typeface="Microsoft JhengHei" pitchFamily="34" charset="-120"/>
+                <a:sym typeface="+mn-ea"/>
+              </a:rPr>
+              <a:t>救主再降臨恩愛最奇異</a:t>
+            </a:r>
+          </a:p>
+          <a:p>
+            <a:pPr marL="0" indent="0" algn="ctr">
+              <a:buNone/>
+            </a:pPr>
+            <a:r>
+              <a:rPr lang="zh-CN" altLang="zh-TW" sz="6400" b="1" dirty="0">
+                <a:solidFill>
+                  <a:srgbClr val="660033"/>
+                </a:solidFill>
+                <a:latin typeface="Microsoft JhengHei" pitchFamily="34" charset="-120"/>
+                <a:ea typeface="Microsoft JhengHei" pitchFamily="34" charset="-120"/>
+                <a:sym typeface="+mn-ea"/>
+              </a:rPr>
+              <a:t>主來接我  接我</a:t>
+            </a:r>
+            <a:endParaRPr lang="zh-CN" altLang="zh-TW" sz="6400" b="1" dirty="0">
+              <a:solidFill>
+                <a:srgbClr val="660033"/>
+              </a:solidFill>
+              <a:latin typeface="Microsoft JhengHei" pitchFamily="34" charset="-120"/>
+              <a:ea typeface="Microsoft JhengHei" pitchFamily="34" charset="-120"/>
+            </a:endParaRPr>
+          </a:p>
+        </p:txBody>
+      </p:sp>
+      <p:sp>
+        <p:nvSpPr>
+          <p:cNvPr id="3" name="TextBox 2"/>
+          <p:cNvSpPr txBox="1"/>
+          <p:nvPr/>
+        </p:nvSpPr>
+        <p:spPr>
+          <a:xfrm>
+            <a:off x="0" y="5061182"/>
+            <a:ext cx="12192000" cy="830997"/>
+          </a:xfrm>
+          <a:prstGeom prst="rect">
+            <a:avLst/>
+          </a:prstGeom>
+          <a:noFill/>
+        </p:spPr>
+        <p:txBody>
+          <a:bodyPr wrap="square" rtlCol="0">
+            <a:spAutoFit/>
+          </a:bodyPr>
+          <a:lstStyle/>
+          <a:p>
+            <a:pPr algn="ctr"/>
+            <a:r>
+              <a:rPr lang="en-US" sz="4800" b="1" dirty="0">
+                <a:solidFill>
+                  <a:srgbClr val="660033"/>
+                </a:solidFill>
+              </a:rPr>
+              <a:t>( 4 )</a:t>
+            </a:r>
+            <a:endParaRPr lang="vi-VN" sz="4800" b="1" dirty="0">
+              <a:solidFill>
+                <a:srgbClr val="660033"/>
+              </a:solidFill>
+            </a:endParaRPr>
+          </a:p>
+        </p:txBody>
+      </p:sp>
+    </p:spTree>
+    <p:extLst>
+      <p:ext uri="{BB962C8B-B14F-4D97-AF65-F5344CB8AC3E}">
+        <p14:creationId xmlns:p14="http://schemas.microsoft.com/office/powerpoint/2010/main" val="2787906753"/>
       </p:ext>
     </p:extLst>
   </p:cSld>
@@ -3945,208 +5005,101 @@
       </p:grpSpPr>
       <p:sp>
         <p:nvSpPr>
-          <p:cNvPr id="4" name="Title 3"/>
-          <p:cNvSpPr>
-            <a:spLocks noGrp="1"/>
-          </p:cNvSpPr>
-          <p:nvPr>
-            <p:ph type="title"/>
-          </p:nvPr>
-        </p:nvSpPr>
-        <p:spPr/>
-        <p:txBody>
-          <a:bodyPr>
+          <p:cNvPr id="5" name="內容版面配置區 4"/>
+          <p:cNvSpPr>
+            <a:spLocks noGrp="1"/>
+          </p:cNvSpPr>
+          <p:nvPr>
+            <p:ph idx="1"/>
+          </p:nvPr>
+        </p:nvSpPr>
+        <p:spPr>
+          <a:xfrm>
+            <a:off x="0" y="2084851"/>
+            <a:ext cx="12192000" cy="2404863"/>
+          </a:xfrm>
+        </p:spPr>
+        <p:txBody>
+          <a:bodyPr anchor="ctr">
             <a:normAutofit/>
           </a:bodyPr>
           <a:lstStyle/>
           <a:p>
-            <a:r>
-              <a:rPr lang="en-US" altLang="zh-TW" sz="4800" b="1" dirty="0">
-                <a:solidFill>
-                  <a:srgbClr val="002060"/>
-                </a:solidFill>
-                <a:latin typeface="Microsoft JhengHei" panose="020B0604030504040204" pitchFamily="34" charset="-120"/>
-                <a:ea typeface="Microsoft JhengHei" panose="020B0604030504040204" pitchFamily="34" charset="-120"/>
+            <a:pPr marL="0" indent="0" algn="ctr">
+              <a:buNone/>
+            </a:pPr>
+            <a:r>
+              <a:rPr lang="zh-CN" altLang="zh-TW" sz="6400" b="1" dirty="0">
+                <a:solidFill>
+                  <a:srgbClr val="660033"/>
+                </a:solidFill>
+                <a:latin typeface="Microsoft JhengHei" pitchFamily="34" charset="-120"/>
+                <a:ea typeface="Microsoft JhengHei" pitchFamily="34" charset="-120"/>
               </a:rPr>
-              <a:t>【</a:t>
-            </a:r>
-            <a:r>
-              <a:rPr lang="zh-TW" altLang="en-US" sz="4800" b="1" dirty="0">
-                <a:solidFill>
-                  <a:srgbClr val="002060"/>
-                </a:solidFill>
-                <a:latin typeface="Microsoft JhengHei" panose="020B0604030504040204" pitchFamily="34" charset="-120"/>
-                <a:ea typeface="Microsoft JhengHei" panose="020B0604030504040204" pitchFamily="34" charset="-120"/>
+              <a:t>耶</a:t>
+            </a:r>
+            <a:r>
+              <a:rPr lang="zh-CN" altLang="zh-TW" sz="6400" b="1" dirty="0">
+                <a:solidFill>
+                  <a:srgbClr val="660033"/>
+                </a:solidFill>
+                <a:latin typeface="Microsoft JhengHei" pitchFamily="34" charset="-120"/>
+                <a:ea typeface="Microsoft JhengHei" pitchFamily="34" charset="-120"/>
               </a:rPr>
-              <a:t>耶穌我救主降生伯利恆</a:t>
-            </a:r>
-            <a:r>
-              <a:rPr lang="en-US" altLang="zh-TW" sz="4800" b="1" dirty="0">
-                <a:solidFill>
-                  <a:srgbClr val="002060"/>
-                </a:solidFill>
-                <a:latin typeface="Microsoft JhengHei" panose="020B0604030504040204" pitchFamily="34" charset="-120"/>
-                <a:ea typeface="Microsoft JhengHei" panose="020B0604030504040204" pitchFamily="34" charset="-120"/>
+              <a:t>穌我救主降生伯利恆</a:t>
+            </a:r>
+          </a:p>
+          <a:p>
+            <a:pPr marL="0" indent="0" algn="ctr">
+              <a:buNone/>
+            </a:pPr>
+            <a:r>
+              <a:rPr lang="zh-CN" altLang="zh-TW" sz="6400" b="1" dirty="0">
+                <a:solidFill>
+                  <a:srgbClr val="660033"/>
+                </a:solidFill>
+                <a:latin typeface="Microsoft JhengHei" pitchFamily="34" charset="-120"/>
+                <a:ea typeface="Microsoft JhengHei" pitchFamily="34" charset="-120"/>
               </a:rPr>
-              <a:t>】</a:t>
-            </a:r>
-          </a:p>
-        </p:txBody>
-      </p:sp>
-      <p:sp>
-        <p:nvSpPr>
-          <p:cNvPr id="5" name="Content Placeholder 4"/>
-          <p:cNvSpPr>
-            <a:spLocks noGrp="1"/>
-          </p:cNvSpPr>
-          <p:nvPr>
-            <p:ph idx="1"/>
-          </p:nvPr>
+              <a:t>貧苦之嬰孩裏布放槽中</a:t>
+            </a:r>
+          </a:p>
+        </p:txBody>
+      </p:sp>
+      <p:sp>
+        <p:nvSpPr>
+          <p:cNvPr id="3" name="TextBox 2"/>
+          <p:cNvSpPr txBox="1"/>
+          <p:nvPr/>
         </p:nvSpPr>
         <p:spPr>
           <a:xfrm>
-            <a:off x="0" y="1600203"/>
-            <a:ext cx="12192000" cy="5257797"/>
-          </a:xfrm>
-        </p:spPr>
-        <p:txBody>
-          <a:bodyPr>
-            <a:normAutofit/>
-          </a:bodyPr>
-          <a:lstStyle/>
-          <a:p>
-            <a:pPr marL="0" indent="0" algn="ctr">
-              <a:buNone/>
-            </a:pPr>
-            <a:r>
-              <a:rPr lang="zh-CN" altLang="zh-TW" sz="5400" b="1" dirty="0">
-                <a:solidFill>
-                  <a:srgbClr val="002060"/>
-                </a:solidFill>
-                <a:latin typeface="Microsoft JhengHei" panose="020B0604030504040204" pitchFamily="34" charset="-120"/>
-                <a:ea typeface="Microsoft JhengHei" panose="020B0604030504040204" pitchFamily="34" charset="-120"/>
-                <a:sym typeface="+mn-ea"/>
-              </a:rPr>
-              <a:t>主來尋我  尋我</a:t>
-            </a:r>
-            <a:endParaRPr lang="zh-CN" altLang="zh-TW" sz="5400" b="1" dirty="0">
-              <a:solidFill>
-                <a:srgbClr val="002060"/>
-              </a:solidFill>
-              <a:latin typeface="Microsoft JhengHei" panose="020B0604030504040204" pitchFamily="34" charset="-120"/>
-              <a:ea typeface="Microsoft JhengHei" panose="020B0604030504040204" pitchFamily="34" charset="-120"/>
-            </a:endParaRPr>
-          </a:p>
-          <a:p>
-            <a:pPr marL="0" indent="0" algn="ctr">
-              <a:buNone/>
-            </a:pPr>
-            <a:r>
-              <a:rPr lang="zh-CN" altLang="zh-TW" sz="5400" b="1" dirty="0">
-                <a:solidFill>
-                  <a:srgbClr val="002060"/>
-                </a:solidFill>
-                <a:latin typeface="Microsoft JhengHei" panose="020B0604030504040204" pitchFamily="34" charset="-120"/>
-                <a:ea typeface="Microsoft JhengHei" panose="020B0604030504040204" pitchFamily="34" charset="-120"/>
-                <a:sym typeface="+mn-ea"/>
-              </a:rPr>
-              <a:t>主來尋我  尋我</a:t>
-            </a:r>
-            <a:endParaRPr lang="zh-CN" altLang="zh-TW" sz="5400" b="1" dirty="0">
-              <a:solidFill>
-                <a:srgbClr val="002060"/>
-              </a:solidFill>
-              <a:latin typeface="Microsoft JhengHei" panose="020B0604030504040204" pitchFamily="34" charset="-120"/>
-              <a:ea typeface="Microsoft JhengHei" panose="020B0604030504040204" pitchFamily="34" charset="-120"/>
-            </a:endParaRPr>
-          </a:p>
-          <a:p>
-            <a:pPr marL="0" indent="0" algn="ctr">
-              <a:buNone/>
-            </a:pPr>
-            <a:r>
-              <a:rPr lang="zh-CN" altLang="zh-TW" sz="5400" b="1" dirty="0">
-                <a:solidFill>
-                  <a:srgbClr val="002060"/>
-                </a:solidFill>
-                <a:latin typeface="Microsoft JhengHei" panose="020B0604030504040204" pitchFamily="34" charset="-120"/>
-                <a:ea typeface="Microsoft JhengHei" panose="020B0604030504040204" pitchFamily="34" charset="-120"/>
-                <a:sym typeface="+mn-ea"/>
-              </a:rPr>
-              <a:t>奇哉其來意足動我心懷</a:t>
-            </a:r>
-          </a:p>
-          <a:p>
-            <a:pPr marL="0" indent="0" algn="ctr">
-              <a:buNone/>
-            </a:pPr>
-            <a:r>
-              <a:rPr lang="zh-CN" altLang="zh-TW" sz="5400" b="1" dirty="0">
-                <a:solidFill>
-                  <a:srgbClr val="002060"/>
-                </a:solidFill>
-                <a:latin typeface="Microsoft JhengHei" panose="020B0604030504040204" pitchFamily="34" charset="-120"/>
-                <a:ea typeface="Microsoft JhengHei" panose="020B0604030504040204" pitchFamily="34" charset="-120"/>
-                <a:sym typeface="+mn-ea"/>
-              </a:rPr>
-              <a:t>主來尋我  尋我</a:t>
-            </a:r>
-            <a:endParaRPr lang="zh-CN" altLang="zh-TW" sz="5400" b="1" dirty="0">
-              <a:solidFill>
-                <a:srgbClr val="002060"/>
-              </a:solidFill>
-              <a:latin typeface="Microsoft JhengHei" panose="020B0604030504040204" pitchFamily="34" charset="-120"/>
-              <a:ea typeface="Microsoft JhengHei" panose="020B0604030504040204" pitchFamily="34" charset="-120"/>
-            </a:endParaRPr>
-          </a:p>
-        </p:txBody>
-      </p:sp>
-      <p:sp>
-        <p:nvSpPr>
-          <p:cNvPr id="6" name="Text Box 1"/>
-          <p:cNvSpPr txBox="1"/>
-          <p:nvPr/>
-        </p:nvSpPr>
-        <p:spPr>
-          <a:xfrm>
-            <a:off x="1055440" y="1700808"/>
-            <a:ext cx="911424" cy="923330"/>
+            <a:off x="0" y="5061182"/>
+            <a:ext cx="12192000" cy="830997"/>
           </a:xfrm>
           <a:prstGeom prst="rect">
             <a:avLst/>
           </a:prstGeom>
           <a:noFill/>
-          <a:ln w="9525">
-            <a:noFill/>
-            <a:miter lim="800000"/>
-          </a:ln>
         </p:spPr>
         <p:txBody>
-          <a:bodyPr wrap="square">
+          <a:bodyPr wrap="square" rtlCol="0">
             <a:spAutoFit/>
           </a:bodyPr>
           <a:lstStyle/>
           <a:p>
             <a:pPr algn="ctr"/>
             <a:r>
-              <a:rPr lang="en-US" sz="5400" b="1" dirty="0">
-                <a:solidFill>
-                  <a:srgbClr val="002060"/>
+              <a:rPr lang="en-US" sz="4800" b="1" dirty="0">
+                <a:solidFill>
+                  <a:srgbClr val="660033"/>
                 </a:solidFill>
               </a:rPr>
-              <a:t>1</a:t>
-            </a:r>
-            <a:r>
-              <a:rPr lang="en-US" sz="5400" b="1" dirty="0" smtClean="0">
-                <a:solidFill>
-                  <a:srgbClr val="002060"/>
-                </a:solidFill>
-              </a:rPr>
-              <a:t>.</a:t>
-            </a:r>
-            <a:endParaRPr lang="en-US" sz="5400" b="1" dirty="0">
+              <a:t>( 1 )</a:t>
+            </a:r>
+            <a:endParaRPr lang="vi-VN" sz="4800" b="1" dirty="0">
               <a:solidFill>
-                <a:srgbClr val="002060"/>
+                <a:srgbClr val="660033"/>
               </a:solidFill>
             </a:endParaRPr>
           </a:p>
@@ -4155,7 +5108,7 @@
     </p:spTree>
     <p:extLst>
       <p:ext uri="{BB962C8B-B14F-4D97-AF65-F5344CB8AC3E}">
-        <p14:creationId xmlns:p14="http://schemas.microsoft.com/office/powerpoint/2010/main" val="3147954694"/>
+        <p14:creationId xmlns:p14="http://schemas.microsoft.com/office/powerpoint/2010/main" val="2800269306"/>
       </p:ext>
     </p:extLst>
   </p:cSld>
@@ -4191,183 +5144,91 @@
       </p:grpSpPr>
       <p:sp>
         <p:nvSpPr>
-          <p:cNvPr id="4" name="Title 3"/>
-          <p:cNvSpPr>
-            <a:spLocks noGrp="1"/>
-          </p:cNvSpPr>
-          <p:nvPr>
-            <p:ph type="title"/>
-          </p:nvPr>
-        </p:nvSpPr>
-        <p:spPr/>
-        <p:txBody>
-          <a:bodyPr>
+          <p:cNvPr id="5" name="內容版面配置區 4"/>
+          <p:cNvSpPr>
+            <a:spLocks noGrp="1"/>
+          </p:cNvSpPr>
+          <p:nvPr>
+            <p:ph idx="1"/>
+          </p:nvPr>
+        </p:nvSpPr>
+        <p:spPr>
+          <a:xfrm>
+            <a:off x="0" y="2084851"/>
+            <a:ext cx="12192000" cy="2404863"/>
+          </a:xfrm>
+        </p:spPr>
+        <p:txBody>
+          <a:bodyPr anchor="ctr">
             <a:normAutofit/>
           </a:bodyPr>
           <a:lstStyle/>
           <a:p>
-            <a:r>
-              <a:rPr lang="en-US" altLang="zh-TW" sz="4800" b="1" dirty="0">
-                <a:solidFill>
-                  <a:srgbClr val="002060"/>
-                </a:solidFill>
-                <a:latin typeface="Microsoft JhengHei" panose="020B0604030504040204" pitchFamily="34" charset="-120"/>
-                <a:ea typeface="Microsoft JhengHei" panose="020B0604030504040204" pitchFamily="34" charset="-120"/>
+            <a:pPr marL="0" indent="0" algn="ctr">
+              <a:buNone/>
+            </a:pPr>
+            <a:r>
+              <a:rPr lang="zh-CN" altLang="zh-TW" sz="6400" b="1" dirty="0">
+                <a:solidFill>
+                  <a:srgbClr val="660033"/>
+                </a:solidFill>
+                <a:latin typeface="Microsoft JhengHei" pitchFamily="34" charset="-120"/>
+                <a:ea typeface="Microsoft JhengHei" pitchFamily="34" charset="-120"/>
               </a:rPr>
-              <a:t>【</a:t>
-            </a:r>
-            <a:r>
-              <a:rPr lang="zh-TW" altLang="en-US" sz="4800" b="1" dirty="0">
-                <a:solidFill>
-                  <a:srgbClr val="002060"/>
-                </a:solidFill>
-                <a:latin typeface="Microsoft JhengHei" panose="020B0604030504040204" pitchFamily="34" charset="-120"/>
-                <a:ea typeface="Microsoft JhengHei" panose="020B0604030504040204" pitchFamily="34" charset="-120"/>
+              <a:t>奇哉其來意足動我心懷</a:t>
+            </a:r>
+          </a:p>
+          <a:p>
+            <a:pPr marL="0" indent="0" algn="ctr">
+              <a:buNone/>
+            </a:pPr>
+            <a:r>
+              <a:rPr lang="zh-CN" altLang="zh-TW" sz="6400" b="1" dirty="0">
+                <a:solidFill>
+                  <a:srgbClr val="660033"/>
+                </a:solidFill>
+                <a:latin typeface="Microsoft JhengHei" pitchFamily="34" charset="-120"/>
+                <a:ea typeface="Microsoft JhengHei" pitchFamily="34" charset="-120"/>
               </a:rPr>
-              <a:t>耶穌我救主降生伯利恆</a:t>
-            </a:r>
-            <a:r>
-              <a:rPr lang="en-US" altLang="zh-TW" sz="4800" b="1" dirty="0">
-                <a:solidFill>
-                  <a:srgbClr val="002060"/>
-                </a:solidFill>
-                <a:latin typeface="Microsoft JhengHei" panose="020B0604030504040204" pitchFamily="34" charset="-120"/>
-                <a:ea typeface="Microsoft JhengHei" panose="020B0604030504040204" pitchFamily="34" charset="-120"/>
-              </a:rPr>
-              <a:t>】</a:t>
-            </a:r>
-          </a:p>
-        </p:txBody>
-      </p:sp>
-      <p:sp>
-        <p:nvSpPr>
-          <p:cNvPr id="5" name="Content Placeholder 4"/>
-          <p:cNvSpPr>
-            <a:spLocks noGrp="1"/>
-          </p:cNvSpPr>
-          <p:nvPr>
-            <p:ph idx="1"/>
-          </p:nvPr>
+              <a:t>主來尋我  尋我</a:t>
+            </a:r>
+          </a:p>
+        </p:txBody>
+      </p:sp>
+      <p:sp>
+        <p:nvSpPr>
+          <p:cNvPr id="3" name="TextBox 2"/>
+          <p:cNvSpPr txBox="1"/>
+          <p:nvPr/>
         </p:nvSpPr>
         <p:spPr>
           <a:xfrm>
-            <a:off x="0" y="1600203"/>
-            <a:ext cx="12192000" cy="5257797"/>
-          </a:xfrm>
-        </p:spPr>
-        <p:txBody>
-          <a:bodyPr>
-            <a:normAutofit/>
-          </a:bodyPr>
-          <a:lstStyle/>
-          <a:p>
-            <a:pPr marL="0" indent="0" algn="ctr">
-              <a:buNone/>
-            </a:pPr>
-            <a:r>
-              <a:rPr lang="zh-CN" altLang="zh-TW" sz="5400" b="1" dirty="0">
-                <a:solidFill>
-                  <a:srgbClr val="002060"/>
-                </a:solidFill>
-                <a:latin typeface="Microsoft JhengHei" panose="020B0604030504040204" pitchFamily="34" charset="-120"/>
-                <a:ea typeface="Microsoft JhengHei" panose="020B0604030504040204" pitchFamily="34" charset="-120"/>
-              </a:rPr>
-              <a:t>耶穌我恩主受死於苦架</a:t>
-            </a:r>
-          </a:p>
-          <a:p>
-            <a:pPr marL="0" indent="0" algn="ctr">
-              <a:buNone/>
-            </a:pPr>
-            <a:r>
-              <a:rPr lang="zh-CN" altLang="zh-TW" sz="5400" b="1" dirty="0">
-                <a:solidFill>
-                  <a:srgbClr val="002060"/>
-                </a:solidFill>
-                <a:latin typeface="Microsoft JhengHei" panose="020B0604030504040204" pitchFamily="34" charset="-120"/>
-                <a:ea typeface="Microsoft JhengHei" panose="020B0604030504040204" pitchFamily="34" charset="-120"/>
-              </a:rPr>
-              <a:t>救贖我靈魂還清我罪債</a:t>
-            </a:r>
-          </a:p>
-          <a:p>
-            <a:pPr marL="0" indent="0" algn="ctr">
-              <a:buNone/>
-            </a:pPr>
-            <a:r>
-              <a:rPr lang="zh-CN" altLang="zh-TW" sz="5400" b="1" dirty="0">
-                <a:solidFill>
-                  <a:srgbClr val="002060"/>
-                </a:solidFill>
-                <a:latin typeface="Microsoft JhengHei" panose="020B0604030504040204" pitchFamily="34" charset="-120"/>
-                <a:ea typeface="Microsoft JhengHei" panose="020B0604030504040204" pitchFamily="34" charset="-120"/>
-              </a:rPr>
-              <a:t>耶穌被釘死天地皆驚訝</a:t>
-            </a:r>
-          </a:p>
-          <a:p>
-            <a:pPr marL="0" indent="0" algn="ctr">
-              <a:buNone/>
-            </a:pPr>
-            <a:r>
-              <a:rPr lang="zh-CN" altLang="zh-TW" sz="5400" b="1" dirty="0">
-                <a:solidFill>
-                  <a:srgbClr val="002060"/>
-                </a:solidFill>
-                <a:latin typeface="Microsoft JhengHei" panose="020B0604030504040204" pitchFamily="34" charset="-120"/>
-                <a:ea typeface="Microsoft JhengHei" panose="020B0604030504040204" pitchFamily="34" charset="-120"/>
-              </a:rPr>
-              <a:t>主死救我  救我</a:t>
-            </a:r>
-          </a:p>
-        </p:txBody>
-      </p:sp>
-      <p:sp>
-        <p:nvSpPr>
-          <p:cNvPr id="6" name="Text Box 1"/>
-          <p:cNvSpPr txBox="1"/>
-          <p:nvPr/>
-        </p:nvSpPr>
-        <p:spPr>
-          <a:xfrm>
-            <a:off x="1055440" y="1700808"/>
-            <a:ext cx="911424" cy="923330"/>
+            <a:off x="0" y="5061182"/>
+            <a:ext cx="12192000" cy="830997"/>
           </a:xfrm>
           <a:prstGeom prst="rect">
             <a:avLst/>
           </a:prstGeom>
           <a:noFill/>
-          <a:ln w="9525">
-            <a:noFill/>
-            <a:miter lim="800000"/>
-          </a:ln>
         </p:spPr>
         <p:txBody>
-          <a:bodyPr wrap="square">
+          <a:bodyPr wrap="square" rtlCol="0">
             <a:spAutoFit/>
           </a:bodyPr>
           <a:lstStyle/>
           <a:p>
             <a:pPr algn="ctr"/>
             <a:r>
-              <a:rPr lang="en-US" sz="5400" b="1" dirty="0">
-                <a:solidFill>
-                  <a:srgbClr val="002060"/>
+              <a:rPr lang="en-US" sz="4800" b="1" dirty="0">
+                <a:solidFill>
+                  <a:srgbClr val="660033"/>
                 </a:solidFill>
               </a:rPr>
-              <a:t>2</a:t>
-            </a:r>
-            <a:r>
-              <a:rPr lang="en-US" sz="5400" b="1" dirty="0" smtClean="0">
-                <a:solidFill>
-                  <a:srgbClr val="002060"/>
-                </a:solidFill>
-              </a:rPr>
-              <a:t>.</a:t>
-            </a:r>
-            <a:endParaRPr lang="en-US" sz="5400" b="1" dirty="0">
+              <a:t>( 1 )</a:t>
+            </a:r>
+            <a:endParaRPr lang="vi-VN" sz="4800" b="1" dirty="0">
               <a:solidFill>
-                <a:srgbClr val="002060"/>
+                <a:srgbClr val="660033"/>
               </a:solidFill>
             </a:endParaRPr>
           </a:p>
@@ -4376,7 +5237,7 @@
     </p:spTree>
     <p:extLst>
       <p:ext uri="{BB962C8B-B14F-4D97-AF65-F5344CB8AC3E}">
-        <p14:creationId xmlns:p14="http://schemas.microsoft.com/office/powerpoint/2010/main" val="3348882691"/>
+        <p14:creationId xmlns:p14="http://schemas.microsoft.com/office/powerpoint/2010/main" val="3270442612"/>
       </p:ext>
     </p:extLst>
   </p:cSld>
@@ -4412,208 +5273,107 @@
       </p:grpSpPr>
       <p:sp>
         <p:nvSpPr>
-          <p:cNvPr id="4" name="Title 3"/>
-          <p:cNvSpPr>
-            <a:spLocks noGrp="1"/>
-          </p:cNvSpPr>
-          <p:nvPr>
-            <p:ph type="title"/>
-          </p:nvPr>
-        </p:nvSpPr>
-        <p:spPr/>
-        <p:txBody>
-          <a:bodyPr>
+          <p:cNvPr id="5" name="內容版面配置區 4"/>
+          <p:cNvSpPr>
+            <a:spLocks noGrp="1"/>
+          </p:cNvSpPr>
+          <p:nvPr>
+            <p:ph idx="1"/>
+          </p:nvPr>
+        </p:nvSpPr>
+        <p:spPr>
+          <a:xfrm>
+            <a:off x="0" y="2084851"/>
+            <a:ext cx="12192000" cy="2404863"/>
+          </a:xfrm>
+        </p:spPr>
+        <p:txBody>
+          <a:bodyPr anchor="ctr">
             <a:normAutofit/>
           </a:bodyPr>
           <a:lstStyle/>
           <a:p>
-            <a:r>
-              <a:rPr lang="en-US" altLang="zh-TW" sz="4800" b="1" dirty="0">
-                <a:solidFill>
-                  <a:srgbClr val="002060"/>
-                </a:solidFill>
-                <a:latin typeface="Microsoft JhengHei" panose="020B0604030504040204" pitchFamily="34" charset="-120"/>
-                <a:ea typeface="Microsoft JhengHei" panose="020B0604030504040204" pitchFamily="34" charset="-120"/>
+            <a:pPr marL="0" indent="0" algn="ctr">
+              <a:buNone/>
+            </a:pPr>
+            <a:r>
+              <a:rPr lang="zh-CN" altLang="zh-TW" sz="6400" b="1" dirty="0">
+                <a:solidFill>
+                  <a:srgbClr val="660033"/>
+                </a:solidFill>
+                <a:latin typeface="Microsoft JhengHei" pitchFamily="34" charset="-120"/>
+                <a:ea typeface="Microsoft JhengHei" pitchFamily="34" charset="-120"/>
+                <a:sym typeface="+mn-ea"/>
               </a:rPr>
-              <a:t>【</a:t>
-            </a:r>
-            <a:r>
-              <a:rPr lang="zh-TW" altLang="en-US" sz="4800" b="1" dirty="0">
-                <a:solidFill>
-                  <a:srgbClr val="002060"/>
-                </a:solidFill>
-                <a:latin typeface="Microsoft JhengHei" panose="020B0604030504040204" pitchFamily="34" charset="-120"/>
-                <a:ea typeface="Microsoft JhengHei" panose="020B0604030504040204" pitchFamily="34" charset="-120"/>
+              <a:t>主來尋我  尋我</a:t>
+            </a:r>
+            <a:endParaRPr lang="zh-CN" altLang="zh-TW" sz="6400" b="1" dirty="0">
+              <a:solidFill>
+                <a:srgbClr val="660033"/>
+              </a:solidFill>
+              <a:latin typeface="Microsoft JhengHei" pitchFamily="34" charset="-120"/>
+              <a:ea typeface="Microsoft JhengHei" pitchFamily="34" charset="-120"/>
+            </a:endParaRPr>
+          </a:p>
+          <a:p>
+            <a:pPr marL="0" indent="0" algn="ctr">
+              <a:buNone/>
+            </a:pPr>
+            <a:r>
+              <a:rPr lang="zh-CN" altLang="zh-TW" sz="6400" b="1" dirty="0">
+                <a:solidFill>
+                  <a:srgbClr val="660033"/>
+                </a:solidFill>
+                <a:latin typeface="Microsoft JhengHei" pitchFamily="34" charset="-120"/>
+                <a:ea typeface="Microsoft JhengHei" pitchFamily="34" charset="-120"/>
+                <a:sym typeface="+mn-ea"/>
               </a:rPr>
-              <a:t>耶穌我救主降生伯利恆</a:t>
-            </a:r>
-            <a:r>
-              <a:rPr lang="en-US" altLang="zh-TW" sz="4800" b="1" dirty="0">
-                <a:solidFill>
-                  <a:srgbClr val="002060"/>
-                </a:solidFill>
-                <a:latin typeface="Microsoft JhengHei" panose="020B0604030504040204" pitchFamily="34" charset="-120"/>
-                <a:ea typeface="Microsoft JhengHei" panose="020B0604030504040204" pitchFamily="34" charset="-120"/>
-              </a:rPr>
-              <a:t>】</a:t>
-            </a:r>
-          </a:p>
-        </p:txBody>
-      </p:sp>
-      <p:sp>
-        <p:nvSpPr>
-          <p:cNvPr id="5" name="Content Placeholder 4"/>
-          <p:cNvSpPr>
-            <a:spLocks noGrp="1"/>
-          </p:cNvSpPr>
-          <p:nvPr>
-            <p:ph idx="1"/>
-          </p:nvPr>
+              <a:t>主來尋我  尋我</a:t>
+            </a:r>
+            <a:endParaRPr lang="zh-CN" altLang="zh-TW" sz="6400" b="1" dirty="0">
+              <a:solidFill>
+                <a:srgbClr val="660033"/>
+              </a:solidFill>
+              <a:latin typeface="Microsoft JhengHei" pitchFamily="34" charset="-120"/>
+              <a:ea typeface="Microsoft JhengHei" pitchFamily="34" charset="-120"/>
+            </a:endParaRPr>
+          </a:p>
+        </p:txBody>
+      </p:sp>
+      <p:sp>
+        <p:nvSpPr>
+          <p:cNvPr id="3" name="TextBox 2"/>
+          <p:cNvSpPr txBox="1"/>
+          <p:nvPr/>
         </p:nvSpPr>
         <p:spPr>
           <a:xfrm>
-            <a:off x="0" y="1600203"/>
-            <a:ext cx="12192000" cy="5257797"/>
-          </a:xfrm>
-        </p:spPr>
-        <p:txBody>
-          <a:bodyPr>
-            <a:normAutofit/>
-          </a:bodyPr>
-          <a:lstStyle/>
-          <a:p>
-            <a:pPr marL="0" indent="0" algn="ctr">
-              <a:buNone/>
-            </a:pPr>
-            <a:r>
-              <a:rPr lang="zh-CN" altLang="zh-TW" sz="5400" b="1" dirty="0">
-                <a:solidFill>
-                  <a:srgbClr val="002060"/>
-                </a:solidFill>
-                <a:latin typeface="Microsoft JhengHei" panose="020B0604030504040204" pitchFamily="34" charset="-120"/>
-                <a:ea typeface="Microsoft JhengHei" panose="020B0604030504040204" pitchFamily="34" charset="-120"/>
-                <a:sym typeface="+mn-ea"/>
-              </a:rPr>
-              <a:t>主死救我  救我</a:t>
-            </a:r>
-            <a:endParaRPr lang="zh-CN" altLang="zh-TW" sz="5400" b="1" dirty="0">
-              <a:solidFill>
-                <a:srgbClr val="002060"/>
-              </a:solidFill>
-              <a:latin typeface="Microsoft JhengHei" panose="020B0604030504040204" pitchFamily="34" charset="-120"/>
-              <a:ea typeface="Microsoft JhengHei" panose="020B0604030504040204" pitchFamily="34" charset="-120"/>
-            </a:endParaRPr>
-          </a:p>
-          <a:p>
-            <a:pPr marL="0" indent="0" algn="ctr">
-              <a:buNone/>
-            </a:pPr>
-            <a:r>
-              <a:rPr lang="zh-CN" altLang="zh-TW" sz="5400" b="1" dirty="0">
-                <a:solidFill>
-                  <a:srgbClr val="002060"/>
-                </a:solidFill>
-                <a:latin typeface="Microsoft JhengHei" panose="020B0604030504040204" pitchFamily="34" charset="-120"/>
-                <a:ea typeface="Microsoft JhengHei" panose="020B0604030504040204" pitchFamily="34" charset="-120"/>
-                <a:sym typeface="+mn-ea"/>
-              </a:rPr>
-              <a:t>主死救我  救我</a:t>
-            </a:r>
-          </a:p>
-          <a:p>
-            <a:pPr marL="0" indent="0" algn="ctr">
-              <a:buNone/>
-            </a:pPr>
-            <a:r>
-              <a:rPr lang="zh-CN" altLang="zh-TW" sz="5400" b="1" dirty="0">
-                <a:solidFill>
-                  <a:srgbClr val="002060"/>
-                </a:solidFill>
-                <a:latin typeface="Microsoft JhengHei" panose="020B0604030504040204" pitchFamily="34" charset="-120"/>
-                <a:ea typeface="Microsoft JhengHei" panose="020B0604030504040204" pitchFamily="34" charset="-120"/>
-                <a:sym typeface="+mn-ea"/>
-              </a:rPr>
-              <a:t>耶穌被釘死天地皆驚訝</a:t>
-            </a:r>
-            <a:endParaRPr lang="zh-CN" altLang="zh-TW" sz="5400" b="1" dirty="0">
-              <a:solidFill>
-                <a:srgbClr val="002060"/>
-              </a:solidFill>
-              <a:latin typeface="Microsoft JhengHei" panose="020B0604030504040204" pitchFamily="34" charset="-120"/>
-              <a:ea typeface="Microsoft JhengHei" panose="020B0604030504040204" pitchFamily="34" charset="-120"/>
-            </a:endParaRPr>
-          </a:p>
-          <a:p>
-            <a:pPr marL="0" indent="0" algn="ctr">
-              <a:buNone/>
-            </a:pPr>
-            <a:r>
-              <a:rPr lang="zh-CN" altLang="zh-TW" sz="5400" b="1" dirty="0">
-                <a:solidFill>
-                  <a:srgbClr val="002060"/>
-                </a:solidFill>
-                <a:latin typeface="Microsoft JhengHei" panose="020B0604030504040204" pitchFamily="34" charset="-120"/>
-                <a:ea typeface="Microsoft JhengHei" panose="020B0604030504040204" pitchFamily="34" charset="-120"/>
-                <a:sym typeface="+mn-ea"/>
-              </a:rPr>
-              <a:t>主死救我  救我</a:t>
-            </a:r>
-            <a:endParaRPr lang="zh-CN" altLang="zh-TW" sz="5400" b="1" dirty="0">
-              <a:solidFill>
-                <a:srgbClr val="002060"/>
-              </a:solidFill>
-              <a:latin typeface="Microsoft JhengHei" panose="020B0604030504040204" pitchFamily="34" charset="-120"/>
-              <a:ea typeface="Microsoft JhengHei" panose="020B0604030504040204" pitchFamily="34" charset="-120"/>
-            </a:endParaRPr>
-          </a:p>
-        </p:txBody>
-      </p:sp>
-      <p:sp>
-        <p:nvSpPr>
-          <p:cNvPr id="6" name="Text Box 1"/>
-          <p:cNvSpPr txBox="1"/>
-          <p:nvPr/>
-        </p:nvSpPr>
-        <p:spPr>
-          <a:xfrm>
-            <a:off x="1055440" y="1700808"/>
-            <a:ext cx="911424" cy="923330"/>
+            <a:off x="0" y="5061182"/>
+            <a:ext cx="12192000" cy="830997"/>
           </a:xfrm>
           <a:prstGeom prst="rect">
             <a:avLst/>
           </a:prstGeom>
           <a:noFill/>
-          <a:ln w="9525">
-            <a:noFill/>
-            <a:miter lim="800000"/>
-          </a:ln>
         </p:spPr>
         <p:txBody>
-          <a:bodyPr wrap="square">
+          <a:bodyPr wrap="square" rtlCol="0">
             <a:spAutoFit/>
           </a:bodyPr>
           <a:lstStyle/>
           <a:p>
             <a:pPr algn="ctr"/>
             <a:r>
-              <a:rPr lang="en-US" sz="5400" b="1" dirty="0">
-                <a:solidFill>
-                  <a:srgbClr val="002060"/>
+              <a:rPr lang="en-US" sz="4800" b="1" dirty="0">
+                <a:solidFill>
+                  <a:srgbClr val="660033"/>
                 </a:solidFill>
               </a:rPr>
-              <a:t>2</a:t>
-            </a:r>
-            <a:r>
-              <a:rPr lang="en-US" sz="5400" b="1" dirty="0" smtClean="0">
-                <a:solidFill>
-                  <a:srgbClr val="002060"/>
-                </a:solidFill>
-              </a:rPr>
-              <a:t>.</a:t>
-            </a:r>
-            <a:endParaRPr lang="en-US" sz="5400" b="1" dirty="0">
+              <a:t>( 1 )</a:t>
+            </a:r>
+            <a:endParaRPr lang="vi-VN" sz="4800" b="1" dirty="0">
               <a:solidFill>
-                <a:srgbClr val="002060"/>
+                <a:srgbClr val="660033"/>
               </a:solidFill>
             </a:endParaRPr>
           </a:p>
@@ -4622,7 +5382,7 @@
     </p:spTree>
     <p:extLst>
       <p:ext uri="{BB962C8B-B14F-4D97-AF65-F5344CB8AC3E}">
-        <p14:creationId xmlns:p14="http://schemas.microsoft.com/office/powerpoint/2010/main" val="1137521795"/>
+        <p14:creationId xmlns:p14="http://schemas.microsoft.com/office/powerpoint/2010/main" val="538045054"/>
       </p:ext>
     </p:extLst>
   </p:cSld>
@@ -4658,203 +5418,100 @@
       </p:grpSpPr>
       <p:sp>
         <p:nvSpPr>
-          <p:cNvPr id="4" name="Title 3"/>
-          <p:cNvSpPr>
-            <a:spLocks noGrp="1"/>
-          </p:cNvSpPr>
-          <p:nvPr>
-            <p:ph type="title"/>
-          </p:nvPr>
-        </p:nvSpPr>
-        <p:spPr/>
-        <p:txBody>
-          <a:bodyPr>
+          <p:cNvPr id="5" name="內容版面配置區 4"/>
+          <p:cNvSpPr>
+            <a:spLocks noGrp="1"/>
+          </p:cNvSpPr>
+          <p:nvPr>
+            <p:ph idx="1"/>
+          </p:nvPr>
+        </p:nvSpPr>
+        <p:spPr>
+          <a:xfrm>
+            <a:off x="0" y="2084851"/>
+            <a:ext cx="12192000" cy="2404863"/>
+          </a:xfrm>
+        </p:spPr>
+        <p:txBody>
+          <a:bodyPr anchor="ctr">
             <a:normAutofit/>
           </a:bodyPr>
           <a:lstStyle/>
           <a:p>
-            <a:r>
-              <a:rPr lang="en-US" altLang="zh-TW" sz="4800" b="1" dirty="0">
-                <a:solidFill>
-                  <a:srgbClr val="002060"/>
-                </a:solidFill>
-                <a:latin typeface="Microsoft JhengHei" panose="020B0604030504040204" pitchFamily="34" charset="-120"/>
-                <a:ea typeface="Microsoft JhengHei" panose="020B0604030504040204" pitchFamily="34" charset="-120"/>
+            <a:pPr marL="0" indent="0" algn="ctr">
+              <a:buNone/>
+            </a:pPr>
+            <a:r>
+              <a:rPr lang="zh-CN" altLang="zh-TW" sz="6400" b="1" dirty="0">
+                <a:solidFill>
+                  <a:srgbClr val="660033"/>
+                </a:solidFill>
+                <a:latin typeface="Microsoft JhengHei" pitchFamily="34" charset="-120"/>
+                <a:ea typeface="Microsoft JhengHei" pitchFamily="34" charset="-120"/>
+                <a:sym typeface="+mn-ea"/>
               </a:rPr>
-              <a:t>【</a:t>
-            </a:r>
-            <a:r>
-              <a:rPr lang="zh-TW" altLang="en-US" sz="4800" b="1" dirty="0">
-                <a:solidFill>
-                  <a:srgbClr val="002060"/>
-                </a:solidFill>
-                <a:latin typeface="Microsoft JhengHei" panose="020B0604030504040204" pitchFamily="34" charset="-120"/>
-                <a:ea typeface="Microsoft JhengHei" panose="020B0604030504040204" pitchFamily="34" charset="-120"/>
+              <a:t>奇哉其來意足動我心懷</a:t>
+            </a:r>
+          </a:p>
+          <a:p>
+            <a:pPr marL="0" indent="0" algn="ctr">
+              <a:buNone/>
+            </a:pPr>
+            <a:r>
+              <a:rPr lang="zh-CN" altLang="zh-TW" sz="6400" b="1" dirty="0">
+                <a:solidFill>
+                  <a:srgbClr val="660033"/>
+                </a:solidFill>
+                <a:latin typeface="Microsoft JhengHei" pitchFamily="34" charset="-120"/>
+                <a:ea typeface="Microsoft JhengHei" pitchFamily="34" charset="-120"/>
+                <a:sym typeface="+mn-ea"/>
               </a:rPr>
-              <a:t>耶穌我救主降生伯利恆</a:t>
-            </a:r>
-            <a:r>
-              <a:rPr lang="en-US" altLang="zh-TW" sz="4800" b="1" dirty="0">
-                <a:solidFill>
-                  <a:srgbClr val="002060"/>
-                </a:solidFill>
-                <a:latin typeface="Microsoft JhengHei" panose="020B0604030504040204" pitchFamily="34" charset="-120"/>
-                <a:ea typeface="Microsoft JhengHei" panose="020B0604030504040204" pitchFamily="34" charset="-120"/>
-              </a:rPr>
-              <a:t>】</a:t>
-            </a:r>
-          </a:p>
-        </p:txBody>
-      </p:sp>
-      <p:sp>
-        <p:nvSpPr>
-          <p:cNvPr id="5" name="Content Placeholder 4"/>
-          <p:cNvSpPr>
-            <a:spLocks noGrp="1"/>
-          </p:cNvSpPr>
-          <p:nvPr>
-            <p:ph idx="1"/>
-          </p:nvPr>
+              <a:t>主來尋我  尋我</a:t>
+            </a:r>
+            <a:endParaRPr lang="zh-CN" altLang="zh-TW" sz="6400" b="1" dirty="0">
+              <a:solidFill>
+                <a:srgbClr val="660033"/>
+              </a:solidFill>
+              <a:latin typeface="Microsoft JhengHei" pitchFamily="34" charset="-120"/>
+              <a:ea typeface="Microsoft JhengHei" pitchFamily="34" charset="-120"/>
+            </a:endParaRPr>
+          </a:p>
+        </p:txBody>
+      </p:sp>
+      <p:sp>
+        <p:nvSpPr>
+          <p:cNvPr id="3" name="TextBox 2"/>
+          <p:cNvSpPr txBox="1"/>
+          <p:nvPr/>
         </p:nvSpPr>
         <p:spPr>
           <a:xfrm>
-            <a:off x="0" y="1600203"/>
-            <a:ext cx="12192000" cy="5257797"/>
-          </a:xfrm>
-        </p:spPr>
-        <p:txBody>
-          <a:bodyPr>
-            <a:normAutofit/>
-          </a:bodyPr>
-          <a:lstStyle/>
-          <a:p>
-            <a:pPr marL="0" indent="0" algn="ctr">
-              <a:buNone/>
-            </a:pPr>
-            <a:r>
-              <a:rPr lang="zh-CN" altLang="zh-TW" sz="5400" b="1" dirty="0">
-                <a:solidFill>
-                  <a:srgbClr val="002060"/>
-                </a:solidFill>
-                <a:latin typeface="Microsoft JhengHei" panose="020B0604030504040204" pitchFamily="34" charset="-120"/>
-                <a:ea typeface="Microsoft JhengHei" panose="020B0604030504040204" pitchFamily="34" charset="-120"/>
-              </a:rPr>
-              <a:t>耶穌死三日從墓中復起</a:t>
-            </a:r>
-          </a:p>
-          <a:p>
-            <a:pPr marL="0" indent="0" algn="ctr">
-              <a:buNone/>
-            </a:pPr>
-            <a:r>
-              <a:rPr lang="zh-CN" altLang="zh-TW" sz="5400" b="1" dirty="0">
-                <a:solidFill>
-                  <a:srgbClr val="002060"/>
-                </a:solidFill>
-                <a:latin typeface="Microsoft JhengHei" panose="020B0604030504040204" pitchFamily="34" charset="-120"/>
-                <a:ea typeface="Microsoft JhengHei" panose="020B0604030504040204" pitchFamily="34" charset="-120"/>
-              </a:rPr>
-              <a:t>勝過撒但與死亡之權勢</a:t>
-            </a:r>
-          </a:p>
-          <a:p>
-            <a:pPr marL="0" indent="0" algn="ctr">
-              <a:buNone/>
-            </a:pPr>
-            <a:r>
-              <a:rPr lang="zh-CN" altLang="zh-TW" sz="5400" b="1" dirty="0">
-                <a:solidFill>
-                  <a:srgbClr val="002060"/>
-                </a:solidFill>
-                <a:latin typeface="Microsoft JhengHei" panose="020B0604030504040204" pitchFamily="34" charset="-120"/>
-                <a:ea typeface="Microsoft JhengHei" panose="020B0604030504040204" pitchFamily="34" charset="-120"/>
-              </a:rPr>
-              <a:t>主永遠活</a:t>
-            </a:r>
-            <a:r>
-              <a:rPr lang="zh-CN" altLang="en-US" sz="5400" b="1" dirty="0">
-                <a:solidFill>
-                  <a:srgbClr val="002060"/>
-                </a:solidFill>
-                <a:latin typeface="Microsoft JhengHei" panose="020B0604030504040204" pitchFamily="34" charset="-120"/>
-                <a:ea typeface="Microsoft JhengHei" panose="020B0604030504040204" pitchFamily="34" charset="-120"/>
-              </a:rPr>
-              <a:t>着</a:t>
-            </a:r>
-            <a:r>
-              <a:rPr lang="zh-CN" altLang="zh-TW" sz="5400" b="1" dirty="0">
-                <a:solidFill>
-                  <a:srgbClr val="002060"/>
-                </a:solidFill>
-                <a:latin typeface="Microsoft JhengHei" panose="020B0604030504040204" pitchFamily="34" charset="-120"/>
-                <a:ea typeface="Microsoft JhengHei" panose="020B0604030504040204" pitchFamily="34" charset="-120"/>
-              </a:rPr>
-              <a:t>必救我到底</a:t>
-            </a:r>
-          </a:p>
-          <a:p>
-            <a:pPr marL="0" indent="0" algn="ctr">
-              <a:buNone/>
-            </a:pPr>
-            <a:r>
-              <a:rPr lang="zh-CN" altLang="zh-TW" sz="5400" b="1" dirty="0">
-                <a:solidFill>
-                  <a:srgbClr val="002060"/>
-                </a:solidFill>
-                <a:latin typeface="Microsoft JhengHei" panose="020B0604030504040204" pitchFamily="34" charset="-120"/>
-                <a:ea typeface="Microsoft JhengHei" panose="020B0604030504040204" pitchFamily="34" charset="-120"/>
-              </a:rPr>
-              <a:t>主活為我  為我</a:t>
-            </a:r>
-          </a:p>
-        </p:txBody>
-      </p:sp>
-      <p:sp>
-        <p:nvSpPr>
-          <p:cNvPr id="6" name="Text Box 1"/>
-          <p:cNvSpPr txBox="1"/>
-          <p:nvPr/>
-        </p:nvSpPr>
-        <p:spPr>
-          <a:xfrm>
-            <a:off x="1055440" y="1700808"/>
-            <a:ext cx="911424" cy="923330"/>
+            <a:off x="0" y="5061182"/>
+            <a:ext cx="12192000" cy="830997"/>
           </a:xfrm>
           <a:prstGeom prst="rect">
             <a:avLst/>
           </a:prstGeom>
           <a:noFill/>
-          <a:ln w="9525">
-            <a:noFill/>
-            <a:miter lim="800000"/>
-          </a:ln>
         </p:spPr>
         <p:txBody>
-          <a:bodyPr wrap="square">
+          <a:bodyPr wrap="square" rtlCol="0">
             <a:spAutoFit/>
           </a:bodyPr>
           <a:lstStyle/>
           <a:p>
             <a:pPr algn="ctr"/>
             <a:r>
-              <a:rPr lang="en-US" sz="5400" b="1" dirty="0">
-                <a:solidFill>
-                  <a:srgbClr val="002060"/>
+              <a:rPr lang="en-US" sz="4800" b="1" dirty="0">
+                <a:solidFill>
+                  <a:srgbClr val="660033"/>
                 </a:solidFill>
               </a:rPr>
-              <a:t>3</a:t>
-            </a:r>
-            <a:r>
-              <a:rPr lang="en-US" sz="5400" b="1" dirty="0" smtClean="0">
-                <a:solidFill>
-                  <a:srgbClr val="002060"/>
-                </a:solidFill>
-              </a:rPr>
-              <a:t>.</a:t>
-            </a:r>
-            <a:endParaRPr lang="en-US" sz="5400" b="1" dirty="0">
+              <a:t>( 1 )</a:t>
+            </a:r>
+            <a:endParaRPr lang="vi-VN" sz="4800" b="1" dirty="0">
               <a:solidFill>
-                <a:srgbClr val="002060"/>
+                <a:srgbClr val="660033"/>
               </a:solidFill>
             </a:endParaRPr>
           </a:p>
@@ -4863,7 +5520,7 @@
     </p:spTree>
     <p:extLst>
       <p:ext uri="{BB962C8B-B14F-4D97-AF65-F5344CB8AC3E}">
-        <p14:creationId xmlns:p14="http://schemas.microsoft.com/office/powerpoint/2010/main" val="2249054684"/>
+        <p14:creationId xmlns:p14="http://schemas.microsoft.com/office/powerpoint/2010/main" val="6013385"/>
       </p:ext>
     </p:extLst>
   </p:cSld>
@@ -4899,215 +5556,91 @@
       </p:grpSpPr>
       <p:sp>
         <p:nvSpPr>
-          <p:cNvPr id="4" name="Title 3"/>
-          <p:cNvSpPr>
-            <a:spLocks noGrp="1"/>
-          </p:cNvSpPr>
-          <p:nvPr>
-            <p:ph type="title"/>
-          </p:nvPr>
-        </p:nvSpPr>
-        <p:spPr/>
-        <p:txBody>
-          <a:bodyPr>
+          <p:cNvPr id="5" name="內容版面配置區 4"/>
+          <p:cNvSpPr>
+            <a:spLocks noGrp="1"/>
+          </p:cNvSpPr>
+          <p:nvPr>
+            <p:ph idx="1"/>
+          </p:nvPr>
+        </p:nvSpPr>
+        <p:spPr>
+          <a:xfrm>
+            <a:off x="0" y="2084851"/>
+            <a:ext cx="12192000" cy="2404863"/>
+          </a:xfrm>
+        </p:spPr>
+        <p:txBody>
+          <a:bodyPr anchor="ctr">
             <a:normAutofit/>
           </a:bodyPr>
           <a:lstStyle/>
           <a:p>
-            <a:r>
-              <a:rPr lang="en-US" altLang="zh-TW" sz="4800" b="1" dirty="0">
-                <a:solidFill>
-                  <a:srgbClr val="002060"/>
-                </a:solidFill>
-                <a:latin typeface="Microsoft JhengHei" panose="020B0604030504040204" pitchFamily="34" charset="-120"/>
-                <a:ea typeface="Microsoft JhengHei" panose="020B0604030504040204" pitchFamily="34" charset="-120"/>
+            <a:pPr marL="0" indent="0" algn="ctr">
+              <a:buNone/>
+            </a:pPr>
+            <a:r>
+              <a:rPr lang="zh-CN" altLang="zh-TW" sz="6400" b="1" dirty="0">
+                <a:solidFill>
+                  <a:srgbClr val="660033"/>
+                </a:solidFill>
+                <a:latin typeface="Microsoft JhengHei" pitchFamily="34" charset="-120"/>
+                <a:ea typeface="Microsoft JhengHei" pitchFamily="34" charset="-120"/>
               </a:rPr>
-              <a:t>【</a:t>
-            </a:r>
-            <a:r>
-              <a:rPr lang="zh-TW" altLang="en-US" sz="4800" b="1" dirty="0">
-                <a:solidFill>
-                  <a:srgbClr val="002060"/>
-                </a:solidFill>
-                <a:latin typeface="Microsoft JhengHei" panose="020B0604030504040204" pitchFamily="34" charset="-120"/>
-                <a:ea typeface="Microsoft JhengHei" panose="020B0604030504040204" pitchFamily="34" charset="-120"/>
+              <a:t>耶穌我恩主受死於苦架</a:t>
+            </a:r>
+          </a:p>
+          <a:p>
+            <a:pPr marL="0" indent="0" algn="ctr">
+              <a:buNone/>
+            </a:pPr>
+            <a:r>
+              <a:rPr lang="zh-CN" altLang="zh-TW" sz="6400" b="1" dirty="0">
+                <a:solidFill>
+                  <a:srgbClr val="660033"/>
+                </a:solidFill>
+                <a:latin typeface="Microsoft JhengHei" pitchFamily="34" charset="-120"/>
+                <a:ea typeface="Microsoft JhengHei" pitchFamily="34" charset="-120"/>
               </a:rPr>
-              <a:t>耶穌我救主降生伯利恆</a:t>
-            </a:r>
-            <a:r>
-              <a:rPr lang="en-US" altLang="zh-TW" sz="4800" b="1" dirty="0">
-                <a:solidFill>
-                  <a:srgbClr val="002060"/>
-                </a:solidFill>
-                <a:latin typeface="Microsoft JhengHei" panose="020B0604030504040204" pitchFamily="34" charset="-120"/>
-                <a:ea typeface="Microsoft JhengHei" panose="020B0604030504040204" pitchFamily="34" charset="-120"/>
-              </a:rPr>
-              <a:t>】</a:t>
-            </a:r>
-          </a:p>
-        </p:txBody>
-      </p:sp>
-      <p:sp>
-        <p:nvSpPr>
-          <p:cNvPr id="5" name="Content Placeholder 4"/>
-          <p:cNvSpPr>
-            <a:spLocks noGrp="1"/>
-          </p:cNvSpPr>
-          <p:nvPr>
-            <p:ph idx="1"/>
-          </p:nvPr>
+              <a:t>救贖我靈魂還清我罪債</a:t>
+            </a:r>
+          </a:p>
+        </p:txBody>
+      </p:sp>
+      <p:sp>
+        <p:nvSpPr>
+          <p:cNvPr id="3" name="TextBox 2"/>
+          <p:cNvSpPr txBox="1"/>
+          <p:nvPr/>
         </p:nvSpPr>
         <p:spPr>
           <a:xfrm>
-            <a:off x="0" y="1600203"/>
-            <a:ext cx="12192000" cy="5257797"/>
-          </a:xfrm>
-        </p:spPr>
-        <p:txBody>
-          <a:bodyPr>
-            <a:normAutofit/>
-          </a:bodyPr>
-          <a:lstStyle/>
-          <a:p>
-            <a:pPr marL="0" indent="0" algn="ctr">
-              <a:buNone/>
-            </a:pPr>
-            <a:r>
-              <a:rPr lang="zh-CN" altLang="zh-TW" sz="5400" b="1" dirty="0">
-                <a:solidFill>
-                  <a:srgbClr val="002060"/>
-                </a:solidFill>
-                <a:latin typeface="Microsoft JhengHei" panose="020B0604030504040204" pitchFamily="34" charset="-120"/>
-                <a:ea typeface="Microsoft JhengHei" panose="020B0604030504040204" pitchFamily="34" charset="-120"/>
-                <a:sym typeface="+mn-ea"/>
-              </a:rPr>
-              <a:t>主活為我  為我</a:t>
-            </a:r>
-          </a:p>
-          <a:p>
-            <a:pPr marL="0" indent="0" algn="ctr">
-              <a:buNone/>
-            </a:pPr>
-            <a:r>
-              <a:rPr lang="zh-CN" altLang="zh-TW" sz="5400" b="1" dirty="0">
-                <a:solidFill>
-                  <a:srgbClr val="002060"/>
-                </a:solidFill>
-                <a:latin typeface="Microsoft JhengHei" panose="020B0604030504040204" pitchFamily="34" charset="-120"/>
-                <a:ea typeface="Microsoft JhengHei" panose="020B0604030504040204" pitchFamily="34" charset="-120"/>
-                <a:sym typeface="+mn-ea"/>
-              </a:rPr>
-              <a:t>主活為我  為我</a:t>
-            </a:r>
-          </a:p>
-          <a:p>
-            <a:pPr marL="0" indent="0" algn="ctr">
-              <a:buNone/>
-            </a:pPr>
-            <a:r>
-              <a:rPr lang="zh-CN" altLang="zh-TW" sz="5400" b="1" dirty="0">
-                <a:solidFill>
-                  <a:srgbClr val="002060"/>
-                </a:solidFill>
-                <a:latin typeface="Microsoft JhengHei" panose="020B0604030504040204" pitchFamily="34" charset="-120"/>
-                <a:ea typeface="Microsoft JhengHei" panose="020B0604030504040204" pitchFamily="34" charset="-120"/>
-                <a:sym typeface="+mn-ea"/>
-              </a:rPr>
-              <a:t>主永遠活</a:t>
-            </a:r>
-            <a:r>
-              <a:rPr lang="zh-CN" altLang="en-US" sz="5400" b="1" dirty="0">
-                <a:solidFill>
-                  <a:srgbClr val="002060"/>
-                </a:solidFill>
-                <a:latin typeface="Microsoft JhengHei" panose="020B0604030504040204" pitchFamily="34" charset="-120"/>
-                <a:ea typeface="Microsoft JhengHei" panose="020B0604030504040204" pitchFamily="34" charset="-120"/>
-              </a:rPr>
-              <a:t>着</a:t>
-            </a:r>
-            <a:r>
-              <a:rPr lang="zh-CN" altLang="zh-TW" sz="5400" b="1" dirty="0">
-                <a:solidFill>
-                  <a:srgbClr val="002060"/>
-                </a:solidFill>
-                <a:latin typeface="Microsoft JhengHei" panose="020B0604030504040204" pitchFamily="34" charset="-120"/>
-                <a:ea typeface="Microsoft JhengHei" panose="020B0604030504040204" pitchFamily="34" charset="-120"/>
-                <a:sym typeface="+mn-ea"/>
-              </a:rPr>
-              <a:t>必救我到底</a:t>
-            </a:r>
-          </a:p>
-          <a:p>
-            <a:pPr marL="0" indent="0" algn="ctr">
-              <a:buNone/>
-            </a:pPr>
-            <a:r>
-              <a:rPr lang="zh-CN" altLang="zh-TW" sz="5400" b="1" dirty="0">
-                <a:solidFill>
-                  <a:srgbClr val="002060"/>
-                </a:solidFill>
-                <a:latin typeface="Microsoft JhengHei" panose="020B0604030504040204" pitchFamily="34" charset="-120"/>
-                <a:ea typeface="Microsoft JhengHei" panose="020B0604030504040204" pitchFamily="34" charset="-120"/>
-                <a:sym typeface="+mn-ea"/>
-              </a:rPr>
-              <a:t>主活為我  為我</a:t>
-            </a:r>
-            <a:endParaRPr lang="zh-CN" altLang="zh-TW" sz="5400" b="1" dirty="0">
-              <a:solidFill>
-                <a:srgbClr val="002060"/>
-              </a:solidFill>
-              <a:latin typeface="Microsoft JhengHei" panose="020B0604030504040204" pitchFamily="34" charset="-120"/>
-              <a:ea typeface="Microsoft JhengHei" panose="020B0604030504040204" pitchFamily="34" charset="-120"/>
-            </a:endParaRPr>
-          </a:p>
-        </p:txBody>
-      </p:sp>
-      <p:sp>
-        <p:nvSpPr>
-          <p:cNvPr id="6" name="Text Box 1"/>
-          <p:cNvSpPr txBox="1"/>
-          <p:nvPr/>
-        </p:nvSpPr>
-        <p:spPr>
-          <a:xfrm>
-            <a:off x="1055440" y="1700808"/>
-            <a:ext cx="911424" cy="923330"/>
+            <a:off x="0" y="5061182"/>
+            <a:ext cx="12192000" cy="830997"/>
           </a:xfrm>
           <a:prstGeom prst="rect">
             <a:avLst/>
           </a:prstGeom>
           <a:noFill/>
-          <a:ln w="9525">
-            <a:noFill/>
-            <a:miter lim="800000"/>
-          </a:ln>
         </p:spPr>
         <p:txBody>
-          <a:bodyPr wrap="square">
+          <a:bodyPr wrap="square" rtlCol="0">
             <a:spAutoFit/>
           </a:bodyPr>
           <a:lstStyle/>
           <a:p>
             <a:pPr algn="ctr"/>
             <a:r>
-              <a:rPr lang="en-US" sz="5400" b="1" dirty="0">
-                <a:solidFill>
-                  <a:srgbClr val="002060"/>
+              <a:rPr lang="en-US" sz="4800" b="1" dirty="0">
+                <a:solidFill>
+                  <a:srgbClr val="660033"/>
                 </a:solidFill>
               </a:rPr>
-              <a:t>3</a:t>
-            </a:r>
-            <a:r>
-              <a:rPr lang="en-US" sz="5400" b="1" dirty="0" smtClean="0">
-                <a:solidFill>
-                  <a:srgbClr val="002060"/>
-                </a:solidFill>
-              </a:rPr>
-              <a:t>.</a:t>
-            </a:r>
-            <a:endParaRPr lang="en-US" sz="5400" b="1" dirty="0">
+              <a:t>( 2 )</a:t>
+            </a:r>
+            <a:endParaRPr lang="vi-VN" sz="4800" b="1" dirty="0">
               <a:solidFill>
-                <a:srgbClr val="002060"/>
+                <a:srgbClr val="660033"/>
               </a:solidFill>
             </a:endParaRPr>
           </a:p>
@@ -5116,7 +5649,7 @@
     </p:spTree>
     <p:extLst>
       <p:ext uri="{BB962C8B-B14F-4D97-AF65-F5344CB8AC3E}">
-        <p14:creationId xmlns:p14="http://schemas.microsoft.com/office/powerpoint/2010/main" val="4093481148"/>
+        <p14:creationId xmlns:p14="http://schemas.microsoft.com/office/powerpoint/2010/main" val="1274908456"/>
       </p:ext>
     </p:extLst>
   </p:cSld>
@@ -5152,183 +5685,91 @@
       </p:grpSpPr>
       <p:sp>
         <p:nvSpPr>
-          <p:cNvPr id="4" name="Title 3"/>
-          <p:cNvSpPr>
-            <a:spLocks noGrp="1"/>
-          </p:cNvSpPr>
-          <p:nvPr>
-            <p:ph type="title"/>
-          </p:nvPr>
-        </p:nvSpPr>
-        <p:spPr/>
-        <p:txBody>
-          <a:bodyPr>
+          <p:cNvPr id="5" name="內容版面配置區 4"/>
+          <p:cNvSpPr>
+            <a:spLocks noGrp="1"/>
+          </p:cNvSpPr>
+          <p:nvPr>
+            <p:ph idx="1"/>
+          </p:nvPr>
+        </p:nvSpPr>
+        <p:spPr>
+          <a:xfrm>
+            <a:off x="0" y="2084851"/>
+            <a:ext cx="12192000" cy="2404863"/>
+          </a:xfrm>
+        </p:spPr>
+        <p:txBody>
+          <a:bodyPr anchor="ctr">
             <a:normAutofit/>
           </a:bodyPr>
           <a:lstStyle/>
           <a:p>
-            <a:r>
-              <a:rPr lang="en-US" altLang="zh-TW" sz="4800" b="1" dirty="0">
-                <a:solidFill>
-                  <a:srgbClr val="002060"/>
-                </a:solidFill>
-                <a:latin typeface="Microsoft JhengHei" panose="020B0604030504040204" pitchFamily="34" charset="-120"/>
-                <a:ea typeface="Microsoft JhengHei" panose="020B0604030504040204" pitchFamily="34" charset="-120"/>
+            <a:pPr marL="0" indent="0" algn="ctr">
+              <a:buNone/>
+            </a:pPr>
+            <a:r>
+              <a:rPr lang="zh-CN" altLang="zh-TW" sz="6400" b="1" dirty="0">
+                <a:solidFill>
+                  <a:srgbClr val="660033"/>
+                </a:solidFill>
+                <a:latin typeface="Microsoft JhengHei" pitchFamily="34" charset="-120"/>
+                <a:ea typeface="Microsoft JhengHei" pitchFamily="34" charset="-120"/>
               </a:rPr>
-              <a:t>【</a:t>
-            </a:r>
-            <a:r>
-              <a:rPr lang="zh-TW" altLang="en-US" sz="4800" b="1" dirty="0">
-                <a:solidFill>
-                  <a:srgbClr val="002060"/>
-                </a:solidFill>
-                <a:latin typeface="Microsoft JhengHei" panose="020B0604030504040204" pitchFamily="34" charset="-120"/>
-                <a:ea typeface="Microsoft JhengHei" panose="020B0604030504040204" pitchFamily="34" charset="-120"/>
+              <a:t>耶穌被釘死天地皆驚訝</a:t>
+            </a:r>
+          </a:p>
+          <a:p>
+            <a:pPr marL="0" indent="0" algn="ctr">
+              <a:buNone/>
+            </a:pPr>
+            <a:r>
+              <a:rPr lang="zh-CN" altLang="zh-TW" sz="6400" b="1" dirty="0">
+                <a:solidFill>
+                  <a:srgbClr val="660033"/>
+                </a:solidFill>
+                <a:latin typeface="Microsoft JhengHei" pitchFamily="34" charset="-120"/>
+                <a:ea typeface="Microsoft JhengHei" pitchFamily="34" charset="-120"/>
               </a:rPr>
-              <a:t>耶穌我救主降生伯利恆</a:t>
-            </a:r>
-            <a:r>
-              <a:rPr lang="en-US" altLang="zh-TW" sz="4800" b="1" dirty="0">
-                <a:solidFill>
-                  <a:srgbClr val="002060"/>
-                </a:solidFill>
-                <a:latin typeface="Microsoft JhengHei" panose="020B0604030504040204" pitchFamily="34" charset="-120"/>
-                <a:ea typeface="Microsoft JhengHei" panose="020B0604030504040204" pitchFamily="34" charset="-120"/>
-              </a:rPr>
-              <a:t>】</a:t>
-            </a:r>
-          </a:p>
-        </p:txBody>
-      </p:sp>
-      <p:sp>
-        <p:nvSpPr>
-          <p:cNvPr id="5" name="Content Placeholder 4"/>
-          <p:cNvSpPr>
-            <a:spLocks noGrp="1"/>
-          </p:cNvSpPr>
-          <p:nvPr>
-            <p:ph idx="1"/>
-          </p:nvPr>
+              <a:t>主死救我  救我</a:t>
+            </a:r>
+          </a:p>
+        </p:txBody>
+      </p:sp>
+      <p:sp>
+        <p:nvSpPr>
+          <p:cNvPr id="3" name="TextBox 2"/>
+          <p:cNvSpPr txBox="1"/>
+          <p:nvPr/>
         </p:nvSpPr>
         <p:spPr>
           <a:xfrm>
-            <a:off x="0" y="1600203"/>
-            <a:ext cx="12192000" cy="5257797"/>
-          </a:xfrm>
-        </p:spPr>
-        <p:txBody>
-          <a:bodyPr>
-            <a:normAutofit/>
-          </a:bodyPr>
-          <a:lstStyle/>
-          <a:p>
-            <a:pPr marL="0" indent="0" algn="ctr">
-              <a:buNone/>
-            </a:pPr>
-            <a:r>
-              <a:rPr lang="zh-CN" altLang="zh-TW" sz="5400" b="1" dirty="0">
-                <a:solidFill>
-                  <a:srgbClr val="002060"/>
-                </a:solidFill>
-                <a:latin typeface="Microsoft JhengHei" panose="020B0604030504040204" pitchFamily="34" charset="-120"/>
-                <a:ea typeface="Microsoft JhengHei" panose="020B0604030504040204" pitchFamily="34" charset="-120"/>
-              </a:rPr>
-              <a:t>耶穌有應許不久再臨世</a:t>
-            </a:r>
-          </a:p>
-          <a:p>
-            <a:pPr marL="0" indent="0" algn="ctr">
-              <a:buNone/>
-            </a:pPr>
-            <a:r>
-              <a:rPr lang="zh-CN" altLang="zh-TW" sz="5400" b="1" dirty="0">
-                <a:solidFill>
-                  <a:srgbClr val="002060"/>
-                </a:solidFill>
-                <a:latin typeface="Microsoft JhengHei" panose="020B0604030504040204" pitchFamily="34" charset="-120"/>
-                <a:ea typeface="Microsoft JhengHei" panose="020B0604030504040204" pitchFamily="34" charset="-120"/>
-              </a:rPr>
-              <a:t>信徒聞此言甚安慰快意</a:t>
-            </a:r>
-          </a:p>
-          <a:p>
-            <a:pPr marL="0" indent="0" algn="ctr">
-              <a:buNone/>
-            </a:pPr>
-            <a:r>
-              <a:rPr lang="zh-CN" altLang="zh-TW" sz="5400" b="1" dirty="0">
-                <a:solidFill>
-                  <a:srgbClr val="002060"/>
-                </a:solidFill>
-                <a:latin typeface="Microsoft JhengHei" panose="020B0604030504040204" pitchFamily="34" charset="-120"/>
-                <a:ea typeface="Microsoft JhengHei" panose="020B0604030504040204" pitchFamily="34" charset="-120"/>
-              </a:rPr>
-              <a:t>救主再降臨恩愛最奇異</a:t>
-            </a:r>
-          </a:p>
-          <a:p>
-            <a:pPr marL="0" indent="0" algn="ctr">
-              <a:buNone/>
-            </a:pPr>
-            <a:r>
-              <a:rPr lang="zh-CN" altLang="zh-TW" sz="5400" b="1" dirty="0">
-                <a:solidFill>
-                  <a:srgbClr val="002060"/>
-                </a:solidFill>
-                <a:latin typeface="Microsoft JhengHei" panose="020B0604030504040204" pitchFamily="34" charset="-120"/>
-                <a:ea typeface="Microsoft JhengHei" panose="020B0604030504040204" pitchFamily="34" charset="-120"/>
-              </a:rPr>
-              <a:t>主來接我  接我</a:t>
-            </a:r>
-          </a:p>
-        </p:txBody>
-      </p:sp>
-      <p:sp>
-        <p:nvSpPr>
-          <p:cNvPr id="6" name="Text Box 1"/>
-          <p:cNvSpPr txBox="1"/>
-          <p:nvPr/>
-        </p:nvSpPr>
-        <p:spPr>
-          <a:xfrm>
-            <a:off x="1055440" y="1700808"/>
-            <a:ext cx="911424" cy="923330"/>
+            <a:off x="0" y="5061182"/>
+            <a:ext cx="12192000" cy="830997"/>
           </a:xfrm>
           <a:prstGeom prst="rect">
             <a:avLst/>
           </a:prstGeom>
           <a:noFill/>
-          <a:ln w="9525">
-            <a:noFill/>
-            <a:miter lim="800000"/>
-          </a:ln>
         </p:spPr>
         <p:txBody>
-          <a:bodyPr wrap="square">
+          <a:bodyPr wrap="square" rtlCol="0">
             <a:spAutoFit/>
           </a:bodyPr>
           <a:lstStyle/>
           <a:p>
             <a:pPr algn="ctr"/>
             <a:r>
-              <a:rPr lang="en-US" sz="5400" b="1" dirty="0">
-                <a:solidFill>
-                  <a:srgbClr val="002060"/>
+              <a:rPr lang="en-US" sz="4800" b="1" dirty="0">
+                <a:solidFill>
+                  <a:srgbClr val="660033"/>
                 </a:solidFill>
               </a:rPr>
-              <a:t>4</a:t>
-            </a:r>
-            <a:r>
-              <a:rPr lang="en-US" sz="5400" b="1" dirty="0" smtClean="0">
-                <a:solidFill>
-                  <a:srgbClr val="002060"/>
-                </a:solidFill>
-              </a:rPr>
-              <a:t>.</a:t>
-            </a:r>
-            <a:endParaRPr lang="en-US" sz="5400" b="1" dirty="0">
+              <a:t>( 2 )</a:t>
+            </a:r>
+            <a:endParaRPr lang="vi-VN" sz="4800" b="1" dirty="0">
               <a:solidFill>
-                <a:srgbClr val="002060"/>
+                <a:srgbClr val="660033"/>
               </a:solidFill>
             </a:endParaRPr>
           </a:p>
@@ -5337,7 +5778,7 @@
     </p:spTree>
     <p:extLst>
       <p:ext uri="{BB962C8B-B14F-4D97-AF65-F5344CB8AC3E}">
-        <p14:creationId xmlns:p14="http://schemas.microsoft.com/office/powerpoint/2010/main" val="3550344440"/>
+        <p14:creationId xmlns:p14="http://schemas.microsoft.com/office/powerpoint/2010/main" val="457531447"/>
       </p:ext>
     </p:extLst>
   </p:cSld>
@@ -5373,194 +5814,100 @@
       </p:grpSpPr>
       <p:sp>
         <p:nvSpPr>
-          <p:cNvPr id="4" name="Title 3"/>
-          <p:cNvSpPr>
-            <a:spLocks noGrp="1"/>
-          </p:cNvSpPr>
-          <p:nvPr>
-            <p:ph type="title"/>
-          </p:nvPr>
-        </p:nvSpPr>
-        <p:spPr/>
-        <p:txBody>
-          <a:bodyPr>
+          <p:cNvPr id="5" name="內容版面配置區 4"/>
+          <p:cNvSpPr>
+            <a:spLocks noGrp="1"/>
+          </p:cNvSpPr>
+          <p:nvPr>
+            <p:ph idx="1"/>
+          </p:nvPr>
+        </p:nvSpPr>
+        <p:spPr>
+          <a:xfrm>
+            <a:off x="0" y="2084851"/>
+            <a:ext cx="12192000" cy="2404863"/>
+          </a:xfrm>
+        </p:spPr>
+        <p:txBody>
+          <a:bodyPr anchor="ctr">
             <a:normAutofit/>
           </a:bodyPr>
           <a:lstStyle/>
           <a:p>
-            <a:r>
-              <a:rPr lang="en-US" altLang="zh-TW" sz="4800" b="1" dirty="0">
-                <a:solidFill>
-                  <a:srgbClr val="002060"/>
-                </a:solidFill>
-                <a:latin typeface="Microsoft JhengHei" panose="020B0604030504040204" pitchFamily="34" charset="-120"/>
-                <a:ea typeface="Microsoft JhengHei" panose="020B0604030504040204" pitchFamily="34" charset="-120"/>
+            <a:pPr marL="0" indent="0" algn="ctr">
+              <a:buNone/>
+            </a:pPr>
+            <a:r>
+              <a:rPr lang="zh-CN" altLang="zh-TW" sz="6400" b="1" dirty="0">
+                <a:solidFill>
+                  <a:srgbClr val="660033"/>
+                </a:solidFill>
+                <a:latin typeface="Microsoft JhengHei" pitchFamily="34" charset="-120"/>
+                <a:ea typeface="Microsoft JhengHei" pitchFamily="34" charset="-120"/>
+                <a:sym typeface="+mn-ea"/>
               </a:rPr>
-              <a:t>【</a:t>
-            </a:r>
-            <a:r>
-              <a:rPr lang="zh-TW" altLang="en-US" sz="4800" b="1" dirty="0">
-                <a:solidFill>
-                  <a:srgbClr val="002060"/>
-                </a:solidFill>
-                <a:latin typeface="Microsoft JhengHei" panose="020B0604030504040204" pitchFamily="34" charset="-120"/>
-                <a:ea typeface="Microsoft JhengHei" panose="020B0604030504040204" pitchFamily="34" charset="-120"/>
+              <a:t>主死救我  救我</a:t>
+            </a:r>
+            <a:endParaRPr lang="zh-CN" altLang="zh-TW" sz="6400" b="1" dirty="0">
+              <a:solidFill>
+                <a:srgbClr val="660033"/>
+              </a:solidFill>
+              <a:latin typeface="Microsoft JhengHei" pitchFamily="34" charset="-120"/>
+              <a:ea typeface="Microsoft JhengHei" pitchFamily="34" charset="-120"/>
+            </a:endParaRPr>
+          </a:p>
+          <a:p>
+            <a:pPr marL="0" indent="0" algn="ctr">
+              <a:buNone/>
+            </a:pPr>
+            <a:r>
+              <a:rPr lang="zh-CN" altLang="zh-TW" sz="6400" b="1" dirty="0">
+                <a:solidFill>
+                  <a:srgbClr val="660033"/>
+                </a:solidFill>
+                <a:latin typeface="Microsoft JhengHei" pitchFamily="34" charset="-120"/>
+                <a:ea typeface="Microsoft JhengHei" pitchFamily="34" charset="-120"/>
+                <a:sym typeface="+mn-ea"/>
               </a:rPr>
-              <a:t>耶穌我救主降生伯利恆</a:t>
-            </a:r>
-            <a:r>
-              <a:rPr lang="en-US" altLang="zh-TW" sz="4800" b="1" dirty="0">
-                <a:solidFill>
-                  <a:srgbClr val="002060"/>
-                </a:solidFill>
-                <a:latin typeface="Microsoft JhengHei" panose="020B0604030504040204" pitchFamily="34" charset="-120"/>
-                <a:ea typeface="Microsoft JhengHei" panose="020B0604030504040204" pitchFamily="34" charset="-120"/>
-              </a:rPr>
-              <a:t>】</a:t>
-            </a:r>
-          </a:p>
-        </p:txBody>
-      </p:sp>
-      <p:sp>
-        <p:nvSpPr>
-          <p:cNvPr id="5" name="Content Placeholder 4"/>
-          <p:cNvSpPr>
-            <a:spLocks noGrp="1"/>
-          </p:cNvSpPr>
-          <p:nvPr>
-            <p:ph idx="1"/>
-          </p:nvPr>
+              <a:t>主死救我  救我</a:t>
+            </a:r>
+          </a:p>
+        </p:txBody>
+      </p:sp>
+      <p:sp>
+        <p:nvSpPr>
+          <p:cNvPr id="3" name="TextBox 2"/>
+          <p:cNvSpPr txBox="1"/>
+          <p:nvPr/>
         </p:nvSpPr>
         <p:spPr>
           <a:xfrm>
-            <a:off x="0" y="1600203"/>
-            <a:ext cx="12192000" cy="5257797"/>
-          </a:xfrm>
-        </p:spPr>
-        <p:txBody>
-          <a:bodyPr>
-            <a:normAutofit/>
-          </a:bodyPr>
-          <a:lstStyle/>
-          <a:p>
-            <a:pPr marL="0" indent="0" algn="ctr">
-              <a:buNone/>
-            </a:pPr>
-            <a:r>
-              <a:rPr lang="zh-CN" altLang="zh-TW" sz="5400" b="1" dirty="0">
-                <a:solidFill>
-                  <a:srgbClr val="002060"/>
-                </a:solidFill>
-                <a:latin typeface="Microsoft JhengHei" panose="020B0604030504040204" pitchFamily="34" charset="-120"/>
-                <a:ea typeface="Microsoft JhengHei" panose="020B0604030504040204" pitchFamily="34" charset="-120"/>
-                <a:sym typeface="+mn-ea"/>
-              </a:rPr>
-              <a:t>主來接我  接我</a:t>
-            </a:r>
-          </a:p>
-          <a:p>
-            <a:pPr marL="0" indent="0" algn="ctr">
-              <a:buNone/>
-            </a:pPr>
-            <a:r>
-              <a:rPr lang="zh-CN" altLang="zh-TW" sz="5400" b="1" dirty="0">
-                <a:solidFill>
-                  <a:srgbClr val="002060"/>
-                </a:solidFill>
-                <a:latin typeface="Microsoft JhengHei" panose="020B0604030504040204" pitchFamily="34" charset="-120"/>
-                <a:ea typeface="Microsoft JhengHei" panose="020B0604030504040204" pitchFamily="34" charset="-120"/>
-                <a:sym typeface="+mn-ea"/>
-              </a:rPr>
-              <a:t>主來接我  接我</a:t>
-            </a:r>
-          </a:p>
-          <a:p>
-            <a:pPr marL="0" indent="0" algn="ctr">
-              <a:buNone/>
-            </a:pPr>
-            <a:r>
-              <a:rPr lang="zh-CN" altLang="zh-TW" sz="5400" b="1" dirty="0">
-                <a:solidFill>
-                  <a:srgbClr val="002060"/>
-                </a:solidFill>
-                <a:latin typeface="Microsoft JhengHei" panose="020B0604030504040204" pitchFamily="34" charset="-120"/>
-                <a:ea typeface="Microsoft JhengHei" panose="020B0604030504040204" pitchFamily="34" charset="-120"/>
-                <a:sym typeface="+mn-ea"/>
-              </a:rPr>
-              <a:t>救主再降臨恩愛最奇異</a:t>
-            </a:r>
-          </a:p>
-          <a:p>
-            <a:pPr marL="0" indent="0" algn="ctr">
-              <a:buNone/>
-            </a:pPr>
-            <a:r>
-              <a:rPr lang="zh-CN" altLang="zh-TW" sz="5400" b="1" dirty="0">
-                <a:solidFill>
-                  <a:srgbClr val="002060"/>
-                </a:solidFill>
-                <a:latin typeface="Microsoft JhengHei" panose="020B0604030504040204" pitchFamily="34" charset="-120"/>
-                <a:ea typeface="Microsoft JhengHei" panose="020B0604030504040204" pitchFamily="34" charset="-120"/>
-                <a:sym typeface="+mn-ea"/>
-              </a:rPr>
-              <a:t>主來接我  接我</a:t>
-            </a:r>
-            <a:endParaRPr lang="zh-CN" altLang="zh-TW" sz="5400" b="1" dirty="0">
-              <a:solidFill>
-                <a:srgbClr val="002060"/>
-              </a:solidFill>
-              <a:latin typeface="Microsoft JhengHei" panose="020B0604030504040204" pitchFamily="34" charset="-120"/>
-              <a:ea typeface="Microsoft JhengHei" panose="020B0604030504040204" pitchFamily="34" charset="-120"/>
-            </a:endParaRPr>
-          </a:p>
-        </p:txBody>
-      </p:sp>
-      <p:sp>
-        <p:nvSpPr>
-          <p:cNvPr id="6" name="Text Box 1"/>
-          <p:cNvSpPr txBox="1"/>
-          <p:nvPr/>
-        </p:nvSpPr>
-        <p:spPr>
-          <a:xfrm>
-            <a:off x="1055440" y="1700808"/>
-            <a:ext cx="911424" cy="923330"/>
+            <a:off x="0" y="5061182"/>
+            <a:ext cx="12192000" cy="830997"/>
           </a:xfrm>
           <a:prstGeom prst="rect">
             <a:avLst/>
           </a:prstGeom>
           <a:noFill/>
-          <a:ln w="9525">
-            <a:noFill/>
-            <a:miter lim="800000"/>
-          </a:ln>
         </p:spPr>
         <p:txBody>
-          <a:bodyPr wrap="square">
+          <a:bodyPr wrap="square" rtlCol="0">
             <a:spAutoFit/>
           </a:bodyPr>
           <a:lstStyle/>
           <a:p>
             <a:pPr algn="ctr"/>
             <a:r>
-              <a:rPr lang="en-US" sz="5400" b="1" dirty="0">
-                <a:solidFill>
-                  <a:srgbClr val="002060"/>
+              <a:rPr lang="en-US" sz="4800" b="1" dirty="0">
+                <a:solidFill>
+                  <a:srgbClr val="660033"/>
                 </a:solidFill>
               </a:rPr>
-              <a:t>4</a:t>
-            </a:r>
-            <a:r>
-              <a:rPr lang="en-US" sz="5400" b="1" dirty="0" smtClean="0">
-                <a:solidFill>
-                  <a:srgbClr val="002060"/>
-                </a:solidFill>
-              </a:rPr>
-              <a:t>.</a:t>
-            </a:r>
-            <a:endParaRPr lang="en-US" sz="5400" b="1" dirty="0">
+              <a:t>( 2 )</a:t>
+            </a:r>
+            <a:endParaRPr lang="vi-VN" sz="4800" b="1" dirty="0">
               <a:solidFill>
-                <a:srgbClr val="002060"/>
+                <a:srgbClr val="660033"/>
               </a:solidFill>
             </a:endParaRPr>
           </a:p>
@@ -5569,7 +5916,152 @@
     </p:spTree>
     <p:extLst>
       <p:ext uri="{BB962C8B-B14F-4D97-AF65-F5344CB8AC3E}">
-        <p14:creationId xmlns:p14="http://schemas.microsoft.com/office/powerpoint/2010/main" val="555937552"/>
+        <p14:creationId xmlns:p14="http://schemas.microsoft.com/office/powerpoint/2010/main" val="1713278020"/>
+      </p:ext>
+    </p:extLst>
+  </p:cSld>
+  <p:clrMapOvr>
+    <a:masterClrMapping/>
+  </p:clrMapOvr>
+  <p:timing>
+    <p:tnLst>
+      <p:par>
+        <p:cTn id="1" dur="indefinite" restart="never" nodeType="tmRoot"/>
+      </p:par>
+    </p:tnLst>
+  </p:timing>
+</p:sld>
+</file>
+
+<file path=ppt/slides/slide9.xml><?xml version="1.0" encoding="utf-8"?>
+<p:sld xmlns:a="http://schemas.openxmlformats.org/drawingml/2006/main" xmlns:r="http://schemas.openxmlformats.org/officeDocument/2006/relationships" xmlns:p="http://schemas.openxmlformats.org/presentationml/2006/main">
+  <p:cSld>
+    <p:spTree>
+      <p:nvGrpSpPr>
+        <p:cNvPr id="1" name=""/>
+        <p:cNvGrpSpPr/>
+        <p:nvPr/>
+      </p:nvGrpSpPr>
+      <p:grpSpPr>
+        <a:xfrm>
+          <a:off x="0" y="0"/>
+          <a:ext cx="0" cy="0"/>
+          <a:chOff x="0" y="0"/>
+          <a:chExt cx="0" cy="0"/>
+        </a:xfrm>
+      </p:grpSpPr>
+      <p:sp>
+        <p:nvSpPr>
+          <p:cNvPr id="5" name="內容版面配置區 4"/>
+          <p:cNvSpPr>
+            <a:spLocks noGrp="1"/>
+          </p:cNvSpPr>
+          <p:nvPr>
+            <p:ph idx="1"/>
+          </p:nvPr>
+        </p:nvSpPr>
+        <p:spPr>
+          <a:xfrm>
+            <a:off x="0" y="2084851"/>
+            <a:ext cx="12192000" cy="2404863"/>
+          </a:xfrm>
+        </p:spPr>
+        <p:txBody>
+          <a:bodyPr anchor="ctr">
+            <a:normAutofit/>
+          </a:bodyPr>
+          <a:lstStyle/>
+          <a:p>
+            <a:pPr marL="0" indent="0" algn="ctr">
+              <a:buNone/>
+            </a:pPr>
+            <a:r>
+              <a:rPr lang="zh-CN" altLang="zh-TW" sz="6400" b="1" dirty="0">
+                <a:solidFill>
+                  <a:srgbClr val="660033"/>
+                </a:solidFill>
+                <a:latin typeface="Microsoft JhengHei" pitchFamily="34" charset="-120"/>
+                <a:ea typeface="Microsoft JhengHei" pitchFamily="34" charset="-120"/>
+                <a:sym typeface="+mn-ea"/>
+              </a:rPr>
+              <a:t>耶穌被釘死天地皆驚訝</a:t>
+            </a:r>
+            <a:endParaRPr lang="zh-CN" altLang="zh-TW" sz="6400" b="1" dirty="0">
+              <a:solidFill>
+                <a:srgbClr val="660033"/>
+              </a:solidFill>
+              <a:latin typeface="Microsoft JhengHei" pitchFamily="34" charset="-120"/>
+              <a:ea typeface="Microsoft JhengHei" pitchFamily="34" charset="-120"/>
+            </a:endParaRPr>
+          </a:p>
+          <a:p>
+            <a:pPr marL="0" indent="0" algn="ctr">
+              <a:buNone/>
+            </a:pPr>
+            <a:r>
+              <a:rPr lang="zh-CN" altLang="zh-TW" sz="6400" b="1" dirty="0">
+                <a:solidFill>
+                  <a:srgbClr val="660033"/>
+                </a:solidFill>
+                <a:latin typeface="Microsoft JhengHei" pitchFamily="34" charset="-120"/>
+                <a:ea typeface="Microsoft JhengHei" pitchFamily="34" charset="-120"/>
+                <a:sym typeface="+mn-ea"/>
+              </a:rPr>
+              <a:t>主死救我  救我</a:t>
+            </a:r>
+            <a:endParaRPr lang="zh-CN" altLang="zh-TW" sz="6400" b="1" dirty="0">
+              <a:solidFill>
+                <a:srgbClr val="660033"/>
+              </a:solidFill>
+              <a:latin typeface="Microsoft JhengHei" pitchFamily="34" charset="-120"/>
+              <a:ea typeface="Microsoft JhengHei" pitchFamily="34" charset="-120"/>
+            </a:endParaRPr>
+          </a:p>
+        </p:txBody>
+      </p:sp>
+      <p:sp>
+        <p:nvSpPr>
+          <p:cNvPr id="3" name="TextBox 2"/>
+          <p:cNvSpPr txBox="1"/>
+          <p:nvPr/>
+        </p:nvSpPr>
+        <p:spPr>
+          <a:xfrm>
+            <a:off x="0" y="5061182"/>
+            <a:ext cx="12192000" cy="830997"/>
+          </a:xfrm>
+          <a:prstGeom prst="rect">
+            <a:avLst/>
+          </a:prstGeom>
+          <a:noFill/>
+        </p:spPr>
+        <p:txBody>
+          <a:bodyPr wrap="square" rtlCol="0">
+            <a:spAutoFit/>
+          </a:bodyPr>
+          <a:lstStyle/>
+          <a:p>
+            <a:pPr algn="ctr"/>
+            <a:r>
+              <a:rPr lang="en-US" sz="4800" b="1" dirty="0">
+                <a:solidFill>
+                  <a:srgbClr val="660033"/>
+                </a:solidFill>
+              </a:rPr>
+              <a:t>( 2 )</a:t>
+            </a:r>
+            <a:endParaRPr lang="vi-VN" sz="4800" b="1" dirty="0">
+              <a:solidFill>
+                <a:srgbClr val="660033"/>
+              </a:solidFill>
+            </a:endParaRPr>
+          </a:p>
+        </p:txBody>
+      </p:sp>
+    </p:spTree>
+    <p:extLst>
+      <p:ext uri="{BB962C8B-B14F-4D97-AF65-F5344CB8AC3E}">
+        <p14:creationId xmlns:p14="http://schemas.microsoft.com/office/powerpoint/2010/main" val="3343344366"/>
       </p:ext>
     </p:extLst>
   </p:cSld>

--- a/宣道詩/(宣道詩279) 耶穌我救主降生伯利恆.pptx
+++ b/宣道詩/(宣道詩279) 耶穌我救主降生伯利恆.pptx
@@ -3835,24 +3835,7 @@
                 <a:latin typeface="微軟正黑體" pitchFamily="34" charset="-120"/>
                 <a:ea typeface="微軟正黑體" pitchFamily="34" charset="-120"/>
               </a:rPr>
-              <a:t>耶</a:t>
-            </a:r>
-            <a:r>
-              <a:rPr lang="zh-TW" altLang="en-US" sz="7200" b="1" dirty="0">
-                <a:solidFill>
-                  <a:srgbClr val="660033"/>
-                </a:solidFill>
-                <a:effectLst>
-                  <a:outerShdw blurRad="38100" dist="38100" dir="2700000" algn="tl">
-                    <a:srgbClr val="000000">
-                      <a:alpha val="43137"/>
-                    </a:srgbClr>
-                  </a:outerShdw>
-                </a:effectLst>
-                <a:latin typeface="微軟正黑體" pitchFamily="34" charset="-120"/>
-                <a:ea typeface="微軟正黑體" pitchFamily="34" charset="-120"/>
-              </a:rPr>
-              <a:t>穌我救主降生伯利恆</a:t>
+              <a:t>耶穌我救主降生伯利恆</a:t>
             </a:r>
             <a:endParaRPr lang="zh-TW" altLang="en-US" sz="8000" b="1" dirty="0">
               <a:solidFill>
@@ -3970,7 +3953,7 @@
         <p:spPr>
           <a:xfrm>
             <a:off x="0" y="5061182"/>
-            <a:ext cx="12192000" cy="830997"/>
+            <a:ext cx="12192000" cy="584775"/>
           </a:xfrm>
           <a:prstGeom prst="rect">
             <a:avLst/>
@@ -3985,14 +3968,30 @@
           <a:p>
             <a:pPr algn="ctr"/>
             <a:r>
-              <a:rPr lang="en-US" sz="4800" b="1" dirty="0">
+              <a:rPr lang="en-US" sz="3200" b="1" dirty="0">
                 <a:solidFill>
                   <a:srgbClr val="660033"/>
                 </a:solidFill>
               </a:rPr>
-              <a:t>( 3 )</a:t>
-            </a:r>
-            <a:endParaRPr lang="vi-VN" sz="4800" b="1" dirty="0">
+              <a:t>( </a:t>
+            </a:r>
+            <a:r>
+              <a:rPr lang="en-US" sz="3200" b="1" dirty="0" smtClean="0">
+                <a:solidFill>
+                  <a:srgbClr val="660033"/>
+                </a:solidFill>
+              </a:rPr>
+              <a:t>3 </a:t>
+            </a:r>
+            <a:r>
+              <a:rPr lang="en-US" sz="3200" b="1" dirty="0">
+                <a:solidFill>
+                  <a:srgbClr val="660033"/>
+                </a:solidFill>
+              </a:rPr>
+              <a:t>/ 4 )</a:t>
+            </a:r>
+            <a:endParaRPr lang="vi-VN" sz="3200" b="1" dirty="0">
               <a:solidFill>
                 <a:srgbClr val="660033"/>
               </a:solidFill>
@@ -4119,7 +4118,7 @@
         <p:spPr>
           <a:xfrm>
             <a:off x="0" y="5061182"/>
-            <a:ext cx="12192000" cy="830997"/>
+            <a:ext cx="12192000" cy="584775"/>
           </a:xfrm>
           <a:prstGeom prst="rect">
             <a:avLst/>
@@ -4134,14 +4133,14 @@
           <a:p>
             <a:pPr algn="ctr"/>
             <a:r>
-              <a:rPr lang="en-US" sz="4800" b="1" dirty="0">
+              <a:rPr lang="en-US" sz="3200" b="1" dirty="0">
                 <a:solidFill>
                   <a:srgbClr val="660033"/>
                 </a:solidFill>
               </a:rPr>
-              <a:t>( 3 )</a:t>
-            </a:r>
-            <a:endParaRPr lang="vi-VN" sz="4800" b="1" dirty="0">
+              <a:t>( 3 / 4 )</a:t>
+            </a:r>
+            <a:endParaRPr lang="vi-VN" sz="3200" b="1" dirty="0">
               <a:solidFill>
                 <a:srgbClr val="660033"/>
               </a:solidFill>
@@ -4250,7 +4249,7 @@
         <p:spPr>
           <a:xfrm>
             <a:off x="0" y="5061182"/>
-            <a:ext cx="12192000" cy="830997"/>
+            <a:ext cx="12192000" cy="584775"/>
           </a:xfrm>
           <a:prstGeom prst="rect">
             <a:avLst/>
@@ -4265,14 +4264,14 @@
           <a:p>
             <a:pPr algn="ctr"/>
             <a:r>
-              <a:rPr lang="en-US" sz="4800" b="1" dirty="0">
+              <a:rPr lang="en-US" sz="3200" b="1" dirty="0">
                 <a:solidFill>
                   <a:srgbClr val="660033"/>
                 </a:solidFill>
               </a:rPr>
-              <a:t>( 3 )</a:t>
-            </a:r>
-            <a:endParaRPr lang="vi-VN" sz="4800" b="1" dirty="0">
+              <a:t>( 3 / 4 )</a:t>
+            </a:r>
+            <a:endParaRPr lang="vi-VN" sz="3200" b="1" dirty="0">
               <a:solidFill>
                 <a:srgbClr val="660033"/>
               </a:solidFill>
@@ -4409,7 +4408,7 @@
         <p:spPr>
           <a:xfrm>
             <a:off x="0" y="5061182"/>
-            <a:ext cx="12192000" cy="830997"/>
+            <a:ext cx="12192000" cy="584775"/>
           </a:xfrm>
           <a:prstGeom prst="rect">
             <a:avLst/>
@@ -4424,14 +4423,14 @@
           <a:p>
             <a:pPr algn="ctr"/>
             <a:r>
-              <a:rPr lang="en-US" sz="4800" b="1" dirty="0">
+              <a:rPr lang="en-US" sz="3200" b="1" dirty="0">
                 <a:solidFill>
                   <a:srgbClr val="660033"/>
                 </a:solidFill>
               </a:rPr>
-              <a:t>( 3 )</a:t>
-            </a:r>
-            <a:endParaRPr lang="vi-VN" sz="4800" b="1" dirty="0">
+              <a:t>( 3 / 4 )</a:t>
+            </a:r>
+            <a:endParaRPr lang="vi-VN" sz="3200" b="1" dirty="0">
               <a:solidFill>
                 <a:srgbClr val="660033"/>
               </a:solidFill>
@@ -4538,7 +4537,7 @@
         <p:spPr>
           <a:xfrm>
             <a:off x="0" y="5061182"/>
-            <a:ext cx="12192000" cy="830997"/>
+            <a:ext cx="12192000" cy="584775"/>
           </a:xfrm>
           <a:prstGeom prst="rect">
             <a:avLst/>
@@ -4553,14 +4552,30 @@
           <a:p>
             <a:pPr algn="ctr"/>
             <a:r>
-              <a:rPr lang="en-US" sz="4800" b="1" dirty="0">
+              <a:rPr lang="en-US" sz="3200" b="1" dirty="0">
                 <a:solidFill>
                   <a:srgbClr val="660033"/>
                 </a:solidFill>
               </a:rPr>
-              <a:t>( 4 )</a:t>
-            </a:r>
-            <a:endParaRPr lang="vi-VN" sz="4800" b="1" dirty="0">
+              <a:t>( </a:t>
+            </a:r>
+            <a:r>
+              <a:rPr lang="en-US" sz="3200" b="1" dirty="0" smtClean="0">
+                <a:solidFill>
+                  <a:srgbClr val="660033"/>
+                </a:solidFill>
+              </a:rPr>
+              <a:t>4 </a:t>
+            </a:r>
+            <a:r>
+              <a:rPr lang="en-US" sz="3200" b="1" dirty="0">
+                <a:solidFill>
+                  <a:srgbClr val="660033"/>
+                </a:solidFill>
+              </a:rPr>
+              <a:t>/ 4 )</a:t>
+            </a:r>
+            <a:endParaRPr lang="vi-VN" sz="3200" b="1" dirty="0">
               <a:solidFill>
                 <a:srgbClr val="660033"/>
               </a:solidFill>
@@ -4667,7 +4682,7 @@
         <p:spPr>
           <a:xfrm>
             <a:off x="0" y="5061182"/>
-            <a:ext cx="12192000" cy="830997"/>
+            <a:ext cx="12192000" cy="584775"/>
           </a:xfrm>
           <a:prstGeom prst="rect">
             <a:avLst/>
@@ -4682,14 +4697,14 @@
           <a:p>
             <a:pPr algn="ctr"/>
             <a:r>
-              <a:rPr lang="en-US" sz="4800" b="1" dirty="0">
+              <a:rPr lang="en-US" sz="3200" b="1" dirty="0">
                 <a:solidFill>
                   <a:srgbClr val="660033"/>
                 </a:solidFill>
               </a:rPr>
-              <a:t>( 4 )</a:t>
-            </a:r>
-            <a:endParaRPr lang="vi-VN" sz="4800" b="1" dirty="0">
+              <a:t>( 4 / 4 )</a:t>
+            </a:r>
+            <a:endParaRPr lang="vi-VN" sz="3200" b="1" dirty="0">
               <a:solidFill>
                 <a:srgbClr val="660033"/>
               </a:solidFill>
@@ -4798,7 +4813,7 @@
         <p:spPr>
           <a:xfrm>
             <a:off x="0" y="5061182"/>
-            <a:ext cx="12192000" cy="830997"/>
+            <a:ext cx="12192000" cy="584775"/>
           </a:xfrm>
           <a:prstGeom prst="rect">
             <a:avLst/>
@@ -4813,14 +4828,14 @@
           <a:p>
             <a:pPr algn="ctr"/>
             <a:r>
-              <a:rPr lang="en-US" sz="4800" b="1" dirty="0">
+              <a:rPr lang="en-US" sz="3200" b="1" dirty="0">
                 <a:solidFill>
                   <a:srgbClr val="660033"/>
                 </a:solidFill>
               </a:rPr>
-              <a:t>( 4 )</a:t>
-            </a:r>
-            <a:endParaRPr lang="vi-VN" sz="4800" b="1" dirty="0">
+              <a:t>( 4 / 4 )</a:t>
+            </a:r>
+            <a:endParaRPr lang="vi-VN" sz="3200" b="1" dirty="0">
               <a:solidFill>
                 <a:srgbClr val="660033"/>
               </a:solidFill>
@@ -4936,7 +4951,7 @@
         <p:spPr>
           <a:xfrm>
             <a:off x="0" y="5061182"/>
-            <a:ext cx="12192000" cy="830997"/>
+            <a:ext cx="12192000" cy="584775"/>
           </a:xfrm>
           <a:prstGeom prst="rect">
             <a:avLst/>
@@ -4951,14 +4966,14 @@
           <a:p>
             <a:pPr algn="ctr"/>
             <a:r>
-              <a:rPr lang="en-US" sz="4800" b="1" dirty="0">
+              <a:rPr lang="en-US" sz="3200" b="1" dirty="0">
                 <a:solidFill>
                   <a:srgbClr val="660033"/>
                 </a:solidFill>
               </a:rPr>
-              <a:t>( 4 )</a:t>
-            </a:r>
-            <a:endParaRPr lang="vi-VN" sz="4800" b="1" dirty="0">
+              <a:t>( 4 / 4 )</a:t>
+            </a:r>
+            <a:endParaRPr lang="vi-VN" sz="3200" b="1" dirty="0">
               <a:solidFill>
                 <a:srgbClr val="660033"/>
               </a:solidFill>
@@ -5036,17 +5051,7 @@
                 <a:latin typeface="Microsoft JhengHei" pitchFamily="34" charset="-120"/>
                 <a:ea typeface="Microsoft JhengHei" pitchFamily="34" charset="-120"/>
               </a:rPr>
-              <a:t>耶</a:t>
-            </a:r>
-            <a:r>
-              <a:rPr lang="zh-CN" altLang="zh-TW" sz="6400" b="1" dirty="0">
-                <a:solidFill>
-                  <a:srgbClr val="660033"/>
-                </a:solidFill>
-                <a:latin typeface="Microsoft JhengHei" pitchFamily="34" charset="-120"/>
-                <a:ea typeface="Microsoft JhengHei" pitchFamily="34" charset="-120"/>
-              </a:rPr>
-              <a:t>穌我救主降生伯利恆</a:t>
+              <a:t>耶穌我救主降生伯利恆</a:t>
             </a:r>
           </a:p>
           <a:p>
@@ -5075,7 +5080,7 @@
         <p:spPr>
           <a:xfrm>
             <a:off x="0" y="5061182"/>
-            <a:ext cx="12192000" cy="830997"/>
+            <a:ext cx="12192000" cy="584775"/>
           </a:xfrm>
           <a:prstGeom prst="rect">
             <a:avLst/>
@@ -5090,17 +5095,37 @@
           <a:p>
             <a:pPr algn="ctr"/>
             <a:r>
-              <a:rPr lang="en-US" sz="4800" b="1" dirty="0">
+              <a:rPr lang="en-US" sz="3200" b="1" dirty="0">
                 <a:solidFill>
                   <a:srgbClr val="660033"/>
                 </a:solidFill>
+                <a:latin typeface="+mn-lt"/>
               </a:rPr>
-              <a:t>( 1 )</a:t>
-            </a:r>
-            <a:endParaRPr lang="vi-VN" sz="4800" b="1" dirty="0">
+              <a:t>( </a:t>
+            </a:r>
+            <a:r>
+              <a:rPr lang="en-US" sz="3200" b="1" dirty="0" smtClean="0">
+                <a:solidFill>
+                  <a:srgbClr val="660033"/>
+                </a:solidFill>
+                <a:latin typeface="+mn-lt"/>
+              </a:rPr>
+              <a:t>1 / 4 </a:t>
+            </a:r>
+            <a:r>
+              <a:rPr lang="en-US" sz="3200" b="1" dirty="0">
+                <a:solidFill>
+                  <a:srgbClr val="660033"/>
+                </a:solidFill>
+                <a:latin typeface="+mn-lt"/>
+              </a:rPr>
+              <a:t>)</a:t>
+            </a:r>
+            <a:endParaRPr lang="vi-VN" sz="3200" b="1" dirty="0">
               <a:solidFill>
                 <a:srgbClr val="660033"/>
               </a:solidFill>
+              <a:latin typeface="+mn-lt"/>
             </a:endParaRPr>
           </a:p>
         </p:txBody>
@@ -5204,7 +5229,7 @@
         <p:spPr>
           <a:xfrm>
             <a:off x="0" y="5061182"/>
-            <a:ext cx="12192000" cy="830997"/>
+            <a:ext cx="12192000" cy="584775"/>
           </a:xfrm>
           <a:prstGeom prst="rect">
             <a:avLst/>
@@ -5219,14 +5244,14 @@
           <a:p>
             <a:pPr algn="ctr"/>
             <a:r>
-              <a:rPr lang="en-US" sz="4800" b="1" dirty="0">
+              <a:rPr lang="en-US" sz="3200" b="1" dirty="0">
                 <a:solidFill>
                   <a:srgbClr val="660033"/>
                 </a:solidFill>
               </a:rPr>
-              <a:t>( 1 )</a:t>
-            </a:r>
-            <a:endParaRPr lang="vi-VN" sz="4800" b="1" dirty="0">
+              <a:t>( 1 / 4 )</a:t>
+            </a:r>
+            <a:endParaRPr lang="vi-VN" sz="3200" b="1" dirty="0">
               <a:solidFill>
                 <a:srgbClr val="660033"/>
               </a:solidFill>
@@ -5349,7 +5374,7 @@
         <p:spPr>
           <a:xfrm>
             <a:off x="0" y="5061182"/>
-            <a:ext cx="12192000" cy="830997"/>
+            <a:ext cx="12192000" cy="584775"/>
           </a:xfrm>
           <a:prstGeom prst="rect">
             <a:avLst/>
@@ -5364,14 +5389,14 @@
           <a:p>
             <a:pPr algn="ctr"/>
             <a:r>
-              <a:rPr lang="en-US" sz="4800" b="1" dirty="0">
+              <a:rPr lang="en-US" sz="3200" b="1" dirty="0">
                 <a:solidFill>
                   <a:srgbClr val="660033"/>
                 </a:solidFill>
               </a:rPr>
-              <a:t>( 1 )</a:t>
-            </a:r>
-            <a:endParaRPr lang="vi-VN" sz="4800" b="1" dirty="0">
+              <a:t>( 1 / 4 )</a:t>
+            </a:r>
+            <a:endParaRPr lang="vi-VN" sz="3200" b="1" dirty="0">
               <a:solidFill>
                 <a:srgbClr val="660033"/>
               </a:solidFill>
@@ -5487,7 +5512,7 @@
         <p:spPr>
           <a:xfrm>
             <a:off x="0" y="5061182"/>
-            <a:ext cx="12192000" cy="830997"/>
+            <a:ext cx="12192000" cy="584775"/>
           </a:xfrm>
           <a:prstGeom prst="rect">
             <a:avLst/>
@@ -5502,14 +5527,14 @@
           <a:p>
             <a:pPr algn="ctr"/>
             <a:r>
-              <a:rPr lang="en-US" sz="4800" b="1" dirty="0">
+              <a:rPr lang="en-US" sz="3200" b="1" dirty="0">
                 <a:solidFill>
                   <a:srgbClr val="660033"/>
                 </a:solidFill>
               </a:rPr>
-              <a:t>( 1 )</a:t>
-            </a:r>
-            <a:endParaRPr lang="vi-VN" sz="4800" b="1" dirty="0">
+              <a:t>( 1 / 4 )</a:t>
+            </a:r>
+            <a:endParaRPr lang="vi-VN" sz="3200" b="1" dirty="0">
               <a:solidFill>
                 <a:srgbClr val="660033"/>
               </a:solidFill>
@@ -5616,7 +5641,7 @@
         <p:spPr>
           <a:xfrm>
             <a:off x="0" y="5061182"/>
-            <a:ext cx="12192000" cy="830997"/>
+            <a:ext cx="12192000" cy="584775"/>
           </a:xfrm>
           <a:prstGeom prst="rect">
             <a:avLst/>
@@ -5631,14 +5656,30 @@
           <a:p>
             <a:pPr algn="ctr"/>
             <a:r>
-              <a:rPr lang="en-US" sz="4800" b="1" dirty="0">
+              <a:rPr lang="en-US" sz="3200" b="1" dirty="0">
                 <a:solidFill>
                   <a:srgbClr val="660033"/>
                 </a:solidFill>
               </a:rPr>
-              <a:t>( 2 )</a:t>
-            </a:r>
-            <a:endParaRPr lang="vi-VN" sz="4800" b="1" dirty="0">
+              <a:t>( </a:t>
+            </a:r>
+            <a:r>
+              <a:rPr lang="en-US" sz="3200" b="1" dirty="0" smtClean="0">
+                <a:solidFill>
+                  <a:srgbClr val="660033"/>
+                </a:solidFill>
+              </a:rPr>
+              <a:t>2 </a:t>
+            </a:r>
+            <a:r>
+              <a:rPr lang="en-US" sz="3200" b="1" dirty="0">
+                <a:solidFill>
+                  <a:srgbClr val="660033"/>
+                </a:solidFill>
+              </a:rPr>
+              <a:t>/ 4 )</a:t>
+            </a:r>
+            <a:endParaRPr lang="vi-VN" sz="3200" b="1" dirty="0">
               <a:solidFill>
                 <a:srgbClr val="660033"/>
               </a:solidFill>
@@ -5745,7 +5786,7 @@
         <p:spPr>
           <a:xfrm>
             <a:off x="0" y="5061182"/>
-            <a:ext cx="12192000" cy="830997"/>
+            <a:ext cx="12192000" cy="584775"/>
           </a:xfrm>
           <a:prstGeom prst="rect">
             <a:avLst/>
@@ -5760,14 +5801,14 @@
           <a:p>
             <a:pPr algn="ctr"/>
             <a:r>
-              <a:rPr lang="en-US" sz="4800" b="1" dirty="0">
+              <a:rPr lang="en-US" sz="3200" b="1" dirty="0">
                 <a:solidFill>
                   <a:srgbClr val="660033"/>
                 </a:solidFill>
               </a:rPr>
-              <a:t>( 2 )</a:t>
-            </a:r>
-            <a:endParaRPr lang="vi-VN" sz="4800" b="1" dirty="0">
+              <a:t>( 2 / 4 )</a:t>
+            </a:r>
+            <a:endParaRPr lang="vi-VN" sz="3200" b="1" dirty="0">
               <a:solidFill>
                 <a:srgbClr val="660033"/>
               </a:solidFill>
@@ -5883,7 +5924,7 @@
         <p:spPr>
           <a:xfrm>
             <a:off x="0" y="5061182"/>
-            <a:ext cx="12192000" cy="830997"/>
+            <a:ext cx="12192000" cy="584775"/>
           </a:xfrm>
           <a:prstGeom prst="rect">
             <a:avLst/>
@@ -5898,14 +5939,14 @@
           <a:p>
             <a:pPr algn="ctr"/>
             <a:r>
-              <a:rPr lang="en-US" sz="4800" b="1" dirty="0">
+              <a:rPr lang="en-US" sz="3200" b="1" dirty="0">
                 <a:solidFill>
                   <a:srgbClr val="660033"/>
                 </a:solidFill>
               </a:rPr>
-              <a:t>( 2 )</a:t>
-            </a:r>
-            <a:endParaRPr lang="vi-VN" sz="4800" b="1" dirty="0">
+              <a:t>( 2 / 4 )</a:t>
+            </a:r>
+            <a:endParaRPr lang="vi-VN" sz="3200" b="1" dirty="0">
               <a:solidFill>
                 <a:srgbClr val="660033"/>
               </a:solidFill>
@@ -6028,7 +6069,7 @@
         <p:spPr>
           <a:xfrm>
             <a:off x="0" y="5061182"/>
-            <a:ext cx="12192000" cy="830997"/>
+            <a:ext cx="12192000" cy="584775"/>
           </a:xfrm>
           <a:prstGeom prst="rect">
             <a:avLst/>
@@ -6043,14 +6084,14 @@
           <a:p>
             <a:pPr algn="ctr"/>
             <a:r>
-              <a:rPr lang="en-US" sz="4800" b="1" dirty="0">
+              <a:rPr lang="en-US" sz="3200" b="1" dirty="0">
                 <a:solidFill>
                   <a:srgbClr val="660033"/>
                 </a:solidFill>
               </a:rPr>
-              <a:t>( 2 )</a:t>
-            </a:r>
-            <a:endParaRPr lang="vi-VN" sz="4800" b="1" dirty="0">
+              <a:t>( 2 / 4 )</a:t>
+            </a:r>
+            <a:endParaRPr lang="vi-VN" sz="3200" b="1" dirty="0">
               <a:solidFill>
                 <a:srgbClr val="660033"/>
               </a:solidFill>
